--- a/Interactive_Visualization.pptx
+++ b/Interactive_Visualization.pptx
@@ -5,13 +5,15 @@
     <p:sldMasterId id="2147483648" r:id="rId4"/>
   </p:sldMasterIdLst>
   <p:sldIdLst>
-    <p:sldId id="256" r:id="rId5"/>
-    <p:sldId id="257" r:id="rId6"/>
+    <p:sldId id="259" r:id="rId5"/>
+    <p:sldId id="256" r:id="rId6"/>
+    <p:sldId id="260" r:id="rId7"/>
+    <p:sldId id="261" r:id="rId8"/>
   </p:sldIdLst>
   <p:sldSz cx="12192000" cy="6858000"/>
   <p:notesSz cx="6858000" cy="9144000"/>
   <p:custDataLst>
-    <p:tags r:id="rId7"/>
+    <p:tags r:id="rId9"/>
   </p:custDataLst>
   <p:defaultTextStyle>
     <a:defPPr>
@@ -114,14 +116,6 @@
     </p:ext>
   </p:extLst>
 </p:presentation>
-</file>
-
-<file path=ppt/revisionInfo.xml><?xml version="1.0" encoding="utf-8"?>
-<p1510:revInfo xmlns:a="http://schemas.openxmlformats.org/drawingml/2006/main" xmlns:r="http://schemas.openxmlformats.org/officeDocument/2006/relationships" xmlns:p1510="http://schemas.microsoft.com/office/powerpoint/2015/10/main">
-  <p1510:revLst>
-    <p1510:client id="{87BC108F-2AB8-48DA-AB49-F9E86BDDFE2F}" v="6" dt="2018-08-08T09:06:44.784"/>
-  </p1510:revLst>
-</p1510:revInfo>
 </file>
 
 <file path=ppt/slideLayouts/slideLayout1.xml><?xml version="1.0" encoding="utf-8"?>
@@ -3340,6 +3334,209 @@
       </p:grpSpPr>
       <p:sp>
         <p:nvSpPr>
+          <p:cNvPr id="7" name="Add-in_Banner">
+            <a:extLst>
+              <a:ext uri="{FF2B5EF4-FFF2-40B4-BE49-F238E27FC236}">
+                <a16:creationId xmlns:a16="http://schemas.microsoft.com/office/drawing/2014/main" id="{BA4C0346-6FC2-F576-B187-67F24194ED91}"/>
+              </a:ext>
+            </a:extLst>
+          </p:cNvPr>
+          <p:cNvSpPr txBox="1">
+            <a:spLocks noGrp="1"/>
+          </p:cNvSpPr>
+          <p:nvPr>
+            <p:ph type="title"/>
+          </p:nvPr>
+        </p:nvSpPr>
+        <p:spPr>
+          <a:xfrm>
+            <a:off x="0" y="351395"/>
+            <a:ext cx="12192000" cy="640515"/>
+          </a:xfrm>
+          <a:prstGeom prst="rect">
+            <a:avLst/>
+          </a:prstGeom>
+          <a:solidFill>
+            <a:srgbClr val="494748">
+              <a:alpha val="4706"/>
+            </a:srgbClr>
+          </a:solidFill>
+          <a:ln>
+            <a:noFill/>
+          </a:ln>
+        </p:spPr>
+        <p:style>
+          <a:lnRef idx="2">
+            <a:schemeClr val="accent1">
+              <a:shade val="50000"/>
+            </a:schemeClr>
+          </a:lnRef>
+          <a:fillRef idx="1">
+            <a:schemeClr val="accent1"/>
+          </a:fillRef>
+          <a:effectRef idx="0">
+            <a:schemeClr val="accent1"/>
+          </a:effectRef>
+          <a:fontRef idx="minor">
+            <a:schemeClr val="lt1"/>
+          </a:fontRef>
+        </p:style>
+        <p:txBody>
+          <a:bodyPr rot="0" spcFirstLastPara="0" vert="horz" wrap="square" lIns="1332000" tIns="180000" rIns="216000" bIns="180000" numCol="1" spcCol="0" rtlCol="0" fromWordArt="0" anchor="ctr" anchorCtr="0" forceAA="0" compatLnSpc="1">
+            <a:prstTxWarp prst="textNoShape">
+              <a:avLst/>
+            </a:prstTxWarp>
+            <a:spAutoFit/>
+          </a:bodyPr>
+          <a:lstStyle/>
+          <a:p>
+            <a:pPr algn="l" rtl="0">
+              <a:spcAft>
+                <a:spcPts val="0"/>
+              </a:spcAft>
+            </a:pPr>
+            <a:r>
+              <a:rPr lang="en-GB" sz="1800" dirty="0">
+                <a:solidFill>
+                  <a:srgbClr val="000000"/>
+                </a:solidFill>
+                <a:effectLst/>
+                <a:latin typeface="Segoe UI Light" panose="020B0502040204020203" pitchFamily="34" charset="0"/>
+                <a:ea typeface="Calibri" panose="020F0502020204030204" pitchFamily="34" charset="0"/>
+                <a:cs typeface="Segoe UI Light" panose="020B0502040204020203" pitchFamily="34" charset="0"/>
+              </a:rPr>
+              <a:t>Microsoft Power BI</a:t>
+            </a:r>
+            <a:endParaRPr lang="en-IE" sz="1200" dirty="0">
+              <a:effectLst/>
+              <a:latin typeface="Segoe UI Light" panose="020B0502040204020203" pitchFamily="34" charset="0"/>
+              <a:ea typeface="Calibri" panose="020F0502020204030204" pitchFamily="34" charset="0"/>
+              <a:cs typeface="Segoe UI Light" panose="020B0502040204020203" pitchFamily="34" charset="0"/>
+            </a:endParaRPr>
+          </a:p>
+        </p:txBody>
+      </p:sp>
+      <p:pic>
+        <p:nvPicPr>
+          <p:cNvPr id="8" name="Add-in_Icon" descr="Icon for Microsoft Power BI.">
+            <a:extLst>
+              <a:ext uri="{FF2B5EF4-FFF2-40B4-BE49-F238E27FC236}">
+                <a16:creationId xmlns:a16="http://schemas.microsoft.com/office/drawing/2014/main" id="{46D0D7FB-4346-5358-9557-E0DF9A4646EC}"/>
+              </a:ext>
+            </a:extLst>
+          </p:cNvPr>
+          <p:cNvPicPr/>
+          <p:nvPr/>
+        </p:nvPicPr>
+        <p:blipFill>
+          <a:blip r:embed="rId2"/>
+          <a:stretch>
+            <a:fillRect/>
+          </a:stretch>
+        </p:blipFill>
+        <p:spPr bwMode="auto">
+          <a:xfrm>
+            <a:off x="914400" y="530365"/>
+            <a:ext cx="291465" cy="291465"/>
+          </a:xfrm>
+          <a:prstGeom prst="rect">
+            <a:avLst/>
+          </a:prstGeom>
+          <a:noFill/>
+        </p:spPr>
+      </p:pic>
+      <mc:AlternateContent xmlns:mc="http://schemas.openxmlformats.org/markup-compatibility/2006">
+        <mc:Choice xmlns:we="http://schemas.microsoft.com/office/webextensions/webextension/2010/11" xmlns:pca="http://schemas.microsoft.com/office/powerpoint/2013/contentapp" Requires="we pca">
+          <p:graphicFrame>
+            <p:nvGraphicFramePr>
+              <p:cNvPr id="9" name="Add-in" descr="Add-in content for Microsoft Power BI.">
+                <a:extLst>
+                  <a:ext uri="{FF2B5EF4-FFF2-40B4-BE49-F238E27FC236}">
+                    <a16:creationId xmlns:a16="http://schemas.microsoft.com/office/drawing/2014/main" id="{C3CE8F56-D0B3-B149-4578-31BED80A7A3D}"/>
+                  </a:ext>
+                </a:extLst>
+              </p:cNvPr>
+              <p:cNvGraphicFramePr>
+                <a:graphicFrameLocks noGrp="1"/>
+              </p:cNvGraphicFramePr>
+              <p:nvPr/>
+            </p:nvGraphicFramePr>
+            <p:xfrm>
+              <a:off x="721012" y="1170879"/>
+              <a:ext cx="10749976" cy="5335725"/>
+            </p:xfrm>
+            <a:graphic>
+              <a:graphicData uri="http://schemas.microsoft.com/office/webextensions/webextension/2010/11">
+                <we:webextensionref xmlns:we="http://schemas.microsoft.com/office/webextensions/webextension/2010/11" xmlns:r="http://schemas.openxmlformats.org/officeDocument/2006/relationships" r:id="rId3"/>
+              </a:graphicData>
+            </a:graphic>
+          </p:graphicFrame>
+        </mc:Choice>
+        <mc:Fallback>
+          <p:pic>
+            <p:nvPicPr>
+              <p:cNvPr id="9" name="Add-in" descr="Add-in content for Microsoft Power BI.">
+                <a:extLst>
+                  <a:ext uri="{FF2B5EF4-FFF2-40B4-BE49-F238E27FC236}">
+                    <a16:creationId xmlns:a16="http://schemas.microsoft.com/office/drawing/2014/main" id="{C3CE8F56-D0B3-B149-4578-31BED80A7A3D}"/>
+                  </a:ext>
+                </a:extLst>
+              </p:cNvPr>
+              <p:cNvPicPr>
+                <a:picLocks noGrp="1" noRot="1" noChangeAspect="1" noMove="1" noResize="1" noEditPoints="1" noAdjustHandles="1" noChangeArrowheads="1" noChangeShapeType="1"/>
+              </p:cNvPicPr>
+              <p:nvPr/>
+            </p:nvPicPr>
+            <p:blipFill>
+              <a:blip r:embed="rId4"/>
+              <a:stretch>
+                <a:fillRect/>
+              </a:stretch>
+            </p:blipFill>
+            <p:spPr>
+              <a:xfrm>
+                <a:off x="721012" y="1170879"/>
+                <a:ext cx="10749976" cy="5335725"/>
+              </a:xfrm>
+              <a:prstGeom prst="rect">
+                <a:avLst/>
+              </a:prstGeom>
+            </p:spPr>
+          </p:pic>
+        </mc:Fallback>
+      </mc:AlternateContent>
+    </p:spTree>
+    <p:extLst>
+      <p:ext uri="{BB962C8B-B14F-4D97-AF65-F5344CB8AC3E}">
+        <p14:creationId xmlns:p14="http://schemas.microsoft.com/office/powerpoint/2010/main" val="1749630513"/>
+      </p:ext>
+    </p:extLst>
+  </p:cSld>
+  <p:clrMapOvr>
+    <a:masterClrMapping/>
+  </p:clrMapOvr>
+</p:sld>
+</file>
+
+<file path=ppt/slides/slide2.xml><?xml version="1.0" encoding="utf-8"?>
+<p:sld xmlns:a="http://schemas.openxmlformats.org/drawingml/2006/main" xmlns:r="http://schemas.openxmlformats.org/officeDocument/2006/relationships" xmlns:p="http://schemas.openxmlformats.org/presentationml/2006/main">
+  <p:cSld>
+    <p:spTree>
+      <p:nvGrpSpPr>
+        <p:cNvPr id="1" name=""/>
+        <p:cNvGrpSpPr/>
+        <p:nvPr/>
+      </p:nvGrpSpPr>
+      <p:grpSpPr>
+        <a:xfrm>
+          <a:off x="0" y="0"/>
+          <a:ext cx="0" cy="0"/>
+          <a:chOff x="0" y="0"/>
+          <a:chExt cx="0" cy="0"/>
+        </a:xfrm>
+      </p:grpSpPr>
+      <p:sp>
+        <p:nvSpPr>
           <p:cNvPr id="6" name="Add-in_Banner">
             <a:extLst>
               <a:ext uri="{FF2B5EF4-FFF2-40B4-BE49-F238E27FC236}">
@@ -3518,7 +3715,7 @@
 </p:sld>
 </file>
 
-<file path=ppt/slides/slide2.xml><?xml version="1.0" encoding="utf-8"?>
+<file path=ppt/slides/slide3.xml><?xml version="1.0" encoding="utf-8"?>
 <p:sld xmlns:a="http://schemas.openxmlformats.org/drawingml/2006/main" xmlns:r="http://schemas.openxmlformats.org/officeDocument/2006/relationships" xmlns:p="http://schemas.openxmlformats.org/presentationml/2006/main">
   <p:cSld>
     <p:spTree>
@@ -3537,833 +3734,10 @@
       </p:grpSpPr>
       <p:sp>
         <p:nvSpPr>
-          <p:cNvPr id="12" name="InstallationHelpContent">
-            <a:extLst>
-              <a:ext uri="{FF2B5EF4-FFF2-40B4-BE49-F238E27FC236}">
-                <a16:creationId xmlns:a16="http://schemas.microsoft.com/office/drawing/2014/main" id="{2CA8B576-3688-4F36-8A9A-7852B92A0202}"/>
-              </a:ext>
-            </a:extLst>
-          </p:cNvPr>
-          <p:cNvSpPr txBox="1"/>
-          <p:nvPr/>
-        </p:nvSpPr>
-        <p:spPr>
-          <a:xfrm>
-            <a:off x="914400" y="5284829"/>
-            <a:ext cx="10063308" cy="461665"/>
-          </a:xfrm>
-          <a:prstGeom prst="rect">
-            <a:avLst/>
-          </a:prstGeom>
-          <a:noFill/>
-          <a:ln w="9525" cmpd="sng">
-            <a:noFill/>
-          </a:ln>
-        </p:spPr>
-        <p:style>
-          <a:lnRef idx="0">
-            <a:scrgbClr r="0" g="0" b="0"/>
-          </a:lnRef>
-          <a:fillRef idx="0">
-            <a:scrgbClr r="0" g="0" b="0"/>
-          </a:fillRef>
-          <a:effectRef idx="0">
-            <a:scrgbClr r="0" g="0" b="0"/>
-          </a:effectRef>
-          <a:fontRef idx="minor">
-            <a:schemeClr val="dk1"/>
-          </a:fontRef>
-        </p:style>
-        <p:txBody>
-          <a:bodyPr wrap="square" lIns="0" rtlCol="0" anchor="ctr" anchorCtr="0">
-            <a:spAutoFit/>
-          </a:bodyPr>
-          <a:lstStyle>
-            <a:lvl1pPr marL="0" indent="0">
-              <a:defRPr sz="1100">
-                <a:solidFill>
-                  <a:schemeClr val="dk1"/>
-                </a:solidFill>
-                <a:latin typeface="+mn-lt"/>
-                <a:ea typeface="+mn-ea"/>
-                <a:cs typeface="+mn-cs"/>
-              </a:defRPr>
-            </a:lvl1pPr>
-            <a:lvl2pPr marL="457200" indent="0">
-              <a:defRPr sz="1100">
-                <a:solidFill>
-                  <a:schemeClr val="dk1"/>
-                </a:solidFill>
-                <a:latin typeface="+mn-lt"/>
-                <a:ea typeface="+mn-ea"/>
-                <a:cs typeface="+mn-cs"/>
-              </a:defRPr>
-            </a:lvl2pPr>
-            <a:lvl3pPr marL="914400" indent="0">
-              <a:defRPr sz="1100">
-                <a:solidFill>
-                  <a:schemeClr val="dk1"/>
-                </a:solidFill>
-                <a:latin typeface="+mn-lt"/>
-                <a:ea typeface="+mn-ea"/>
-                <a:cs typeface="+mn-cs"/>
-              </a:defRPr>
-            </a:lvl3pPr>
-            <a:lvl4pPr marL="1371600" indent="0">
-              <a:defRPr sz="1100">
-                <a:solidFill>
-                  <a:schemeClr val="dk1"/>
-                </a:solidFill>
-                <a:latin typeface="+mn-lt"/>
-                <a:ea typeface="+mn-ea"/>
-                <a:cs typeface="+mn-cs"/>
-              </a:defRPr>
-            </a:lvl4pPr>
-            <a:lvl5pPr marL="1828800" indent="0">
-              <a:defRPr sz="1100">
-                <a:solidFill>
-                  <a:schemeClr val="dk1"/>
-                </a:solidFill>
-                <a:latin typeface="+mn-lt"/>
-                <a:ea typeface="+mn-ea"/>
-                <a:cs typeface="+mn-cs"/>
-              </a:defRPr>
-            </a:lvl5pPr>
-            <a:lvl6pPr marL="2286000" indent="0">
-              <a:defRPr sz="1100">
-                <a:solidFill>
-                  <a:schemeClr val="dk1"/>
-                </a:solidFill>
-                <a:latin typeface="+mn-lt"/>
-                <a:ea typeface="+mn-ea"/>
-                <a:cs typeface="+mn-cs"/>
-              </a:defRPr>
-            </a:lvl6pPr>
-            <a:lvl7pPr marL="2743200" indent="0">
-              <a:defRPr sz="1100">
-                <a:solidFill>
-                  <a:schemeClr val="dk1"/>
-                </a:solidFill>
-                <a:latin typeface="+mn-lt"/>
-                <a:ea typeface="+mn-ea"/>
-                <a:cs typeface="+mn-cs"/>
-              </a:defRPr>
-            </a:lvl7pPr>
-            <a:lvl8pPr marL="3200400" indent="0">
-              <a:defRPr sz="1100">
-                <a:solidFill>
-                  <a:schemeClr val="dk1"/>
-                </a:solidFill>
-                <a:latin typeface="+mn-lt"/>
-                <a:ea typeface="+mn-ea"/>
-                <a:cs typeface="+mn-cs"/>
-              </a:defRPr>
-            </a:lvl8pPr>
-            <a:lvl9pPr marL="3657600" indent="0">
-              <a:defRPr sz="1100">
-                <a:solidFill>
-                  <a:schemeClr val="dk1"/>
-                </a:solidFill>
-                <a:latin typeface="+mn-lt"/>
-                <a:ea typeface="+mn-ea"/>
-                <a:cs typeface="+mn-cs"/>
-              </a:defRPr>
-            </a:lvl9pPr>
-          </a:lstStyle>
-          <a:p>
-            <a:r>
-              <a:rPr lang="en-US" sz="1200" b="0" i="0" dirty="0">
-                <a:latin typeface="Segoe UI" panose="020B0502040204020203" pitchFamily="34" charset="0"/>
-                <a:cs typeface="Segoe UI" panose="020B0502040204020203" pitchFamily="34" charset="0"/>
-              </a:rPr>
-              <a:t>Return to your internet browser or copy this link into your browser:</a:t>
-            </a:r>
-          </a:p>
-          <a:p>
-            <a:pPr marL="0" indent="0" algn="l" defTabSz="914400" rtl="0" eaLnBrk="1" latinLnBrk="0" hangingPunct="1"/>
-            <a:r>
-              <a:rPr lang="en-US" sz="1200" b="0" i="0" u="sng" kern="1200" dirty="0">
-                <a:solidFill>
-                  <a:srgbClr val="0563C1"/>
-                </a:solidFill>
-                <a:latin typeface="Segoe UI" panose="020B0502040204020203" pitchFamily="34" charset="0"/>
-                <a:cs typeface="Segoe UI" panose="020B0502040204020203" pitchFamily="34" charset="0"/>
-                <a:hlinkClick r:id="rId2"/>
-              </a:rPr>
-              <a:t>https://pages.store.office.com/addinsinstallpage.aspx?rs=en-US&amp;assetid=WA200003233&amp;isWac=True&amp;ui=en-US&amp;ad=US</a:t>
-            </a:r>
-            <a:endParaRPr lang="en-US" sz="1200" b="0" i="0" u="sng" kern="1200" dirty="0">
-              <a:solidFill>
-                <a:srgbClr val="0563C1"/>
-              </a:solidFill>
-              <a:latin typeface="Segoe UI" panose="020B0502040204020203" pitchFamily="34" charset="0"/>
-              <a:cs typeface="Segoe UI" panose="020B0502040204020203" pitchFamily="34" charset="0"/>
-            </a:endParaRPr>
-          </a:p>
-        </p:txBody>
-      </p:sp>
-      <p:sp>
-        <p:nvSpPr>
-          <p:cNvPr id="16" name="InstallationHelpHeader">
-            <a:extLst>
-              <a:ext uri="{FF2B5EF4-FFF2-40B4-BE49-F238E27FC236}">
-                <a16:creationId xmlns:a16="http://schemas.microsoft.com/office/drawing/2014/main" id="{64C02631-9FDD-4AF6-94C6-2FA9F2831D20}"/>
-              </a:ext>
-            </a:extLst>
-          </p:cNvPr>
-          <p:cNvSpPr txBox="1"/>
-          <p:nvPr/>
-        </p:nvSpPr>
-        <p:spPr>
-          <a:xfrm>
-            <a:off x="914400" y="4916126"/>
-            <a:ext cx="10063307" cy="346765"/>
-          </a:xfrm>
-          <a:prstGeom prst="rect">
-            <a:avLst/>
-          </a:prstGeom>
-          <a:noFill/>
-          <a:ln w="9525" cmpd="sng">
-            <a:noFill/>
-          </a:ln>
-        </p:spPr>
-        <p:style>
-          <a:lnRef idx="0">
-            <a:scrgbClr r="0" g="0" b="0"/>
-          </a:lnRef>
-          <a:fillRef idx="0">
-            <a:scrgbClr r="0" g="0" b="0"/>
-          </a:fillRef>
-          <a:effectRef idx="0">
-            <a:scrgbClr r="0" g="0" b="0"/>
-          </a:effectRef>
-          <a:fontRef idx="minor">
-            <a:schemeClr val="dk1"/>
-          </a:fontRef>
-        </p:style>
-        <p:txBody>
-          <a:bodyPr wrap="square" lIns="0" rtlCol="0" anchor="ctr" anchorCtr="0">
-            <a:normAutofit lnSpcReduction="10000"/>
-          </a:bodyPr>
-          <a:lstStyle>
-            <a:lvl1pPr marL="0" indent="0">
-              <a:defRPr sz="1100">
-                <a:solidFill>
-                  <a:schemeClr val="dk1"/>
-                </a:solidFill>
-                <a:latin typeface="+mn-lt"/>
-                <a:ea typeface="+mn-ea"/>
-                <a:cs typeface="+mn-cs"/>
-              </a:defRPr>
-            </a:lvl1pPr>
-            <a:lvl2pPr marL="457200" indent="0">
-              <a:defRPr sz="1100">
-                <a:solidFill>
-                  <a:schemeClr val="dk1"/>
-                </a:solidFill>
-                <a:latin typeface="+mn-lt"/>
-                <a:ea typeface="+mn-ea"/>
-                <a:cs typeface="+mn-cs"/>
-              </a:defRPr>
-            </a:lvl2pPr>
-            <a:lvl3pPr marL="914400" indent="0">
-              <a:defRPr sz="1100">
-                <a:solidFill>
-                  <a:schemeClr val="dk1"/>
-                </a:solidFill>
-                <a:latin typeface="+mn-lt"/>
-                <a:ea typeface="+mn-ea"/>
-                <a:cs typeface="+mn-cs"/>
-              </a:defRPr>
-            </a:lvl3pPr>
-            <a:lvl4pPr marL="1371600" indent="0">
-              <a:defRPr sz="1100">
-                <a:solidFill>
-                  <a:schemeClr val="dk1"/>
-                </a:solidFill>
-                <a:latin typeface="+mn-lt"/>
-                <a:ea typeface="+mn-ea"/>
-                <a:cs typeface="+mn-cs"/>
-              </a:defRPr>
-            </a:lvl4pPr>
-            <a:lvl5pPr marL="1828800" indent="0">
-              <a:defRPr sz="1100">
-                <a:solidFill>
-                  <a:schemeClr val="dk1"/>
-                </a:solidFill>
-                <a:latin typeface="+mn-lt"/>
-                <a:ea typeface="+mn-ea"/>
-                <a:cs typeface="+mn-cs"/>
-              </a:defRPr>
-            </a:lvl5pPr>
-            <a:lvl6pPr marL="2286000" indent="0">
-              <a:defRPr sz="1100">
-                <a:solidFill>
-                  <a:schemeClr val="dk1"/>
-                </a:solidFill>
-                <a:latin typeface="+mn-lt"/>
-                <a:ea typeface="+mn-ea"/>
-                <a:cs typeface="+mn-cs"/>
-              </a:defRPr>
-            </a:lvl6pPr>
-            <a:lvl7pPr marL="2743200" indent="0">
-              <a:defRPr sz="1100">
-                <a:solidFill>
-                  <a:schemeClr val="dk1"/>
-                </a:solidFill>
-                <a:latin typeface="+mn-lt"/>
-                <a:ea typeface="+mn-ea"/>
-                <a:cs typeface="+mn-cs"/>
-              </a:defRPr>
-            </a:lvl7pPr>
-            <a:lvl8pPr marL="3200400" indent="0">
-              <a:defRPr sz="1100">
-                <a:solidFill>
-                  <a:schemeClr val="dk1"/>
-                </a:solidFill>
-                <a:latin typeface="+mn-lt"/>
-                <a:ea typeface="+mn-ea"/>
-                <a:cs typeface="+mn-cs"/>
-              </a:defRPr>
-            </a:lvl8pPr>
-            <a:lvl9pPr marL="3657600" indent="0">
-              <a:defRPr sz="1100">
-                <a:solidFill>
-                  <a:schemeClr val="dk1"/>
-                </a:solidFill>
-                <a:latin typeface="+mn-lt"/>
-                <a:ea typeface="+mn-ea"/>
-                <a:cs typeface="+mn-cs"/>
-              </a:defRPr>
-            </a:lvl9pPr>
-          </a:lstStyle>
-          <a:p>
-            <a:r>
-              <a:rPr lang="en-US" sz="1800" b="0" i="0">
-                <a:latin typeface="Segoe UI Light" panose="020B0502040204020203" pitchFamily="34" charset="0"/>
-                <a:cs typeface="Segoe UI Light" panose="020B0502040204020203" pitchFamily="34" charset="0"/>
-              </a:rPr>
-              <a:t>Need more help?</a:t>
-            </a:r>
-          </a:p>
-        </p:txBody>
-      </p:sp>
-      <p:pic>
-        <p:nvPicPr>
-          <p:cNvPr id="17" name="LaunchHelpImage" descr="Office ribbon open on the Insert tab.">
-            <a:extLst>
-              <a:ext uri="{FF2B5EF4-FFF2-40B4-BE49-F238E27FC236}">
-                <a16:creationId xmlns:a16="http://schemas.microsoft.com/office/drawing/2014/main" id="{9F6644C8-9C25-4A33-B37A-9C5FA1BB43E1}"/>
-              </a:ext>
-            </a:extLst>
-          </p:cNvPr>
-          <p:cNvPicPr>
-            <a:picLocks/>
-          </p:cNvPicPr>
-          <p:nvPr/>
-        </p:nvPicPr>
-        <p:blipFill>
-          <a:blip r:embed="rId3"/>
-          <a:stretch>
-            <a:fillRect/>
-          </a:stretch>
-        </p:blipFill>
-        <p:spPr>
-          <a:xfrm>
-            <a:off x="914399" y="2448231"/>
-            <a:ext cx="5943600" cy="2102400"/>
-          </a:xfrm>
-          <a:prstGeom prst="rect">
-            <a:avLst/>
-          </a:prstGeom>
-          <a:ln>
-            <a:noFill/>
-          </a:ln>
-        </p:spPr>
-      </p:pic>
-      <p:sp>
-        <p:nvSpPr>
-          <p:cNvPr id="26" name="MyAdd-ins">
-            <a:extLst>
-              <a:ext uri="{FF2B5EF4-FFF2-40B4-BE49-F238E27FC236}">
-                <a16:creationId xmlns:a16="http://schemas.microsoft.com/office/drawing/2014/main" id="{34C66630-1529-4E04-957D-AA0BBAACDAAA}"/>
-              </a:ext>
-            </a:extLst>
-          </p:cNvPr>
-          <p:cNvSpPr txBox="1"/>
-          <p:nvPr/>
-        </p:nvSpPr>
-        <p:spPr>
-          <a:xfrm>
-            <a:off x="4851444" y="3310791"/>
-            <a:ext cx="1016635" cy="316865"/>
-          </a:xfrm>
-          <a:prstGeom prst="rect">
-            <a:avLst/>
-          </a:prstGeom>
-          <a:noFill/>
-        </p:spPr>
-        <p:txBody>
-          <a:bodyPr wrap="square" lIns="0" tIns="0" rIns="0" bIns="0" rtlCol="0" anchor="ctr" anchorCtr="0">
-            <a:noAutofit/>
-          </a:bodyPr>
-          <a:lstStyle/>
-          <a:p>
-            <a:pPr>
-              <a:lnSpc>
-                <a:spcPct val="105000"/>
-              </a:lnSpc>
-              <a:spcAft>
-                <a:spcPts val="0"/>
-              </a:spcAft>
-            </a:pPr>
-            <a:r>
-              <a:rPr lang="en-GB" sz="1000" kern="1200" dirty="0">
-                <a:solidFill>
-                  <a:srgbClr val="404040"/>
-                </a:solidFill>
-                <a:effectLst/>
-                <a:latin typeface="Segoe UI Semibold" panose="020B0702040204020203" pitchFamily="34" charset="0"/>
-                <a:ea typeface="Times New Roman" panose="02020603050405020304" pitchFamily="18" charset="0"/>
-              </a:rPr>
-              <a:t>My Add-ins</a:t>
-            </a:r>
-            <a:endParaRPr lang="en-IE" sz="1200" dirty="0">
-              <a:effectLst/>
-              <a:latin typeface="Times New Roman" panose="02020603050405020304" pitchFamily="18" charset="0"/>
-              <a:ea typeface="Times New Roman" panose="02020603050405020304" pitchFamily="18" charset="0"/>
-            </a:endParaRPr>
-          </a:p>
-        </p:txBody>
-      </p:sp>
-      <p:sp>
-        <p:nvSpPr>
-          <p:cNvPr id="19" name="TabName">
-            <a:extLst>
-              <a:ext uri="{FF2B5EF4-FFF2-40B4-BE49-F238E27FC236}">
-                <a16:creationId xmlns:a16="http://schemas.microsoft.com/office/drawing/2014/main" id="{703C7623-FC76-4CD5-823D-9B14460DB9E1}"/>
-              </a:ext>
-            </a:extLst>
-          </p:cNvPr>
-          <p:cNvSpPr txBox="1"/>
-          <p:nvPr/>
-        </p:nvSpPr>
-        <p:spPr>
-          <a:xfrm>
-            <a:off x="2249496" y="2737247"/>
-            <a:ext cx="1131132" cy="318702"/>
-          </a:xfrm>
-          <a:prstGeom prst="rect">
-            <a:avLst/>
-          </a:prstGeom>
-          <a:noFill/>
-        </p:spPr>
-        <p:txBody>
-          <a:bodyPr wrap="square" lIns="0" tIns="0" rIns="0" bIns="0" rtlCol="0" anchor="ctr" anchorCtr="0">
-            <a:noAutofit/>
-          </a:bodyPr>
-          <a:lstStyle>
-            <a:lvl1pPr marL="0" indent="0">
-              <a:defRPr sz="1100">
-                <a:latin typeface="+mn-lt"/>
-                <a:ea typeface="+mn-ea"/>
-                <a:cs typeface="+mn-cs"/>
-              </a:defRPr>
-            </a:lvl1pPr>
-            <a:lvl2pPr marL="457200" indent="0">
-              <a:defRPr sz="1100">
-                <a:latin typeface="+mn-lt"/>
-                <a:ea typeface="+mn-ea"/>
-                <a:cs typeface="+mn-cs"/>
-              </a:defRPr>
-            </a:lvl2pPr>
-            <a:lvl3pPr marL="914400" indent="0">
-              <a:defRPr sz="1100">
-                <a:latin typeface="+mn-lt"/>
-                <a:ea typeface="+mn-ea"/>
-                <a:cs typeface="+mn-cs"/>
-              </a:defRPr>
-            </a:lvl3pPr>
-            <a:lvl4pPr marL="1371600" indent="0">
-              <a:defRPr sz="1100">
-                <a:latin typeface="+mn-lt"/>
-                <a:ea typeface="+mn-ea"/>
-                <a:cs typeface="+mn-cs"/>
-              </a:defRPr>
-            </a:lvl4pPr>
-            <a:lvl5pPr marL="1828800" indent="0">
-              <a:defRPr sz="1100">
-                <a:latin typeface="+mn-lt"/>
-                <a:ea typeface="+mn-ea"/>
-                <a:cs typeface="+mn-cs"/>
-              </a:defRPr>
-            </a:lvl5pPr>
-            <a:lvl6pPr marL="2286000" indent="0">
-              <a:defRPr sz="1100">
-                <a:latin typeface="+mn-lt"/>
-                <a:ea typeface="+mn-ea"/>
-                <a:cs typeface="+mn-cs"/>
-              </a:defRPr>
-            </a:lvl6pPr>
-            <a:lvl7pPr marL="2743200" indent="0">
-              <a:defRPr sz="1100">
-                <a:latin typeface="+mn-lt"/>
-                <a:ea typeface="+mn-ea"/>
-                <a:cs typeface="+mn-cs"/>
-              </a:defRPr>
-            </a:lvl7pPr>
-            <a:lvl8pPr marL="3200400" indent="0">
-              <a:defRPr sz="1100">
-                <a:latin typeface="+mn-lt"/>
-                <a:ea typeface="+mn-ea"/>
-                <a:cs typeface="+mn-cs"/>
-              </a:defRPr>
-            </a:lvl8pPr>
-            <a:lvl9pPr marL="3657600" indent="0">
-              <a:defRPr sz="1100">
-                <a:latin typeface="+mn-lt"/>
-                <a:ea typeface="+mn-ea"/>
-                <a:cs typeface="+mn-cs"/>
-              </a:defRPr>
-            </a:lvl9pPr>
-          </a:lstStyle>
-          <a:p>
-            <a:pPr algn="ctr">
-              <a:lnSpc>
-                <a:spcPct val="105000"/>
-              </a:lnSpc>
-              <a:spcAft>
-                <a:spcPts val="0"/>
-              </a:spcAft>
-            </a:pPr>
-            <a:r>
-              <a:rPr lang="en-GB" sz="1000" kern="1200" dirty="0">
-                <a:solidFill>
-                  <a:srgbClr val="B7472A"/>
-                </a:solidFill>
-                <a:effectLst/>
-                <a:latin typeface="Segoe UI Semibold" panose="020B0702040204020203" pitchFamily="34" charset="0"/>
-                <a:ea typeface="Times New Roman" panose="02020603050405020304" pitchFamily="18" charset="0"/>
-              </a:rPr>
-              <a:t>Insert</a:t>
-            </a:r>
-            <a:endParaRPr lang="en-IE" sz="1200" dirty="0">
-              <a:solidFill>
-                <a:srgbClr val="B7472A"/>
-              </a:solidFill>
-              <a:effectLst/>
-              <a:latin typeface="Times New Roman" panose="02020603050405020304" pitchFamily="18" charset="0"/>
-              <a:ea typeface="Times New Roman" panose="02020603050405020304" pitchFamily="18" charset="0"/>
-            </a:endParaRPr>
-          </a:p>
-        </p:txBody>
-      </p:sp>
-      <p:sp>
-        <p:nvSpPr>
-          <p:cNvPr id="20" name="LaunchHelpContent2">
-            <a:extLst>
-              <a:ext uri="{FF2B5EF4-FFF2-40B4-BE49-F238E27FC236}">
-                <a16:creationId xmlns:a16="http://schemas.microsoft.com/office/drawing/2014/main" id="{2F3500B0-385B-4A8E-970C-87A5162E2948}"/>
-              </a:ext>
-            </a:extLst>
-          </p:cNvPr>
-          <p:cNvSpPr txBox="1"/>
-          <p:nvPr/>
-        </p:nvSpPr>
-        <p:spPr>
-          <a:xfrm>
-            <a:off x="914400" y="2166716"/>
-            <a:ext cx="10863192" cy="334055"/>
-          </a:xfrm>
-          <a:prstGeom prst="rect">
-            <a:avLst/>
-          </a:prstGeom>
-          <a:noFill/>
-          <a:ln w="9525" cmpd="sng">
-            <a:noFill/>
-          </a:ln>
-        </p:spPr>
-        <p:style>
-          <a:lnRef idx="0">
-            <a:scrgbClr r="0" g="0" b="0"/>
-          </a:lnRef>
-          <a:fillRef idx="0">
-            <a:scrgbClr r="0" g="0" b="0"/>
-          </a:fillRef>
-          <a:effectRef idx="0">
-            <a:scrgbClr r="0" g="0" b="0"/>
-          </a:effectRef>
-          <a:fontRef idx="minor">
-            <a:schemeClr val="dk1"/>
-          </a:fontRef>
-        </p:style>
-        <p:txBody>
-          <a:bodyPr wrap="none" lIns="0" rtlCol="0" anchor="ctr" anchorCtr="0">
-            <a:normAutofit/>
-          </a:bodyPr>
-          <a:lstStyle>
-            <a:lvl1pPr marL="0" indent="0">
-              <a:defRPr sz="1100">
-                <a:solidFill>
-                  <a:schemeClr val="dk1"/>
-                </a:solidFill>
-                <a:latin typeface="+mn-lt"/>
-                <a:ea typeface="+mn-ea"/>
-                <a:cs typeface="+mn-cs"/>
-              </a:defRPr>
-            </a:lvl1pPr>
-            <a:lvl2pPr marL="457200" indent="0">
-              <a:defRPr sz="1100">
-                <a:solidFill>
-                  <a:schemeClr val="dk1"/>
-                </a:solidFill>
-                <a:latin typeface="+mn-lt"/>
-                <a:ea typeface="+mn-ea"/>
-                <a:cs typeface="+mn-cs"/>
-              </a:defRPr>
-            </a:lvl2pPr>
-            <a:lvl3pPr marL="914400" indent="0">
-              <a:defRPr sz="1100">
-                <a:solidFill>
-                  <a:schemeClr val="dk1"/>
-                </a:solidFill>
-                <a:latin typeface="+mn-lt"/>
-                <a:ea typeface="+mn-ea"/>
-                <a:cs typeface="+mn-cs"/>
-              </a:defRPr>
-            </a:lvl3pPr>
-            <a:lvl4pPr marL="1371600" indent="0">
-              <a:defRPr sz="1100">
-                <a:solidFill>
-                  <a:schemeClr val="dk1"/>
-                </a:solidFill>
-                <a:latin typeface="+mn-lt"/>
-                <a:ea typeface="+mn-ea"/>
-                <a:cs typeface="+mn-cs"/>
-              </a:defRPr>
-            </a:lvl4pPr>
-            <a:lvl5pPr marL="1828800" indent="0">
-              <a:defRPr sz="1100">
-                <a:solidFill>
-                  <a:schemeClr val="dk1"/>
-                </a:solidFill>
-                <a:latin typeface="+mn-lt"/>
-                <a:ea typeface="+mn-ea"/>
-                <a:cs typeface="+mn-cs"/>
-              </a:defRPr>
-            </a:lvl5pPr>
-            <a:lvl6pPr marL="2286000" indent="0">
-              <a:defRPr sz="1100">
-                <a:solidFill>
-                  <a:schemeClr val="dk1"/>
-                </a:solidFill>
-                <a:latin typeface="+mn-lt"/>
-                <a:ea typeface="+mn-ea"/>
-                <a:cs typeface="+mn-cs"/>
-              </a:defRPr>
-            </a:lvl6pPr>
-            <a:lvl7pPr marL="2743200" indent="0">
-              <a:defRPr sz="1100">
-                <a:solidFill>
-                  <a:schemeClr val="dk1"/>
-                </a:solidFill>
-                <a:latin typeface="+mn-lt"/>
-                <a:ea typeface="+mn-ea"/>
-                <a:cs typeface="+mn-cs"/>
-              </a:defRPr>
-            </a:lvl7pPr>
-            <a:lvl8pPr marL="3200400" indent="0">
-              <a:defRPr sz="1100">
-                <a:solidFill>
-                  <a:schemeClr val="dk1"/>
-                </a:solidFill>
-                <a:latin typeface="+mn-lt"/>
-                <a:ea typeface="+mn-ea"/>
-                <a:cs typeface="+mn-cs"/>
-              </a:defRPr>
-            </a:lvl8pPr>
-            <a:lvl9pPr marL="3657600" indent="0">
-              <a:defRPr sz="1100">
-                <a:solidFill>
-                  <a:schemeClr val="dk1"/>
-                </a:solidFill>
-                <a:latin typeface="+mn-lt"/>
-                <a:ea typeface="+mn-ea"/>
-                <a:cs typeface="+mn-cs"/>
-              </a:defRPr>
-            </a:lvl9pPr>
-          </a:lstStyle>
-          <a:p>
-            <a:r>
-              <a:rPr lang="en-US" sz="1200" b="0" i="0" baseline="0">
-                <a:latin typeface="Segoe UI Semibold" panose="020B0702040204020203" pitchFamily="34" charset="0"/>
-                <a:cs typeface="Segoe UI Semibold" panose="020B0702040204020203" pitchFamily="34" charset="0"/>
-              </a:rPr>
-              <a:t>On the Insert tab</a:t>
-            </a:r>
-            <a:endParaRPr lang="en-US" sz="1200" b="0" i="0">
-              <a:latin typeface="Segoe UI Semibold" panose="020B0702040204020203" pitchFamily="34" charset="0"/>
-              <a:cs typeface="Segoe UI Semibold" panose="020B0702040204020203" pitchFamily="34" charset="0"/>
-            </a:endParaRPr>
-          </a:p>
-        </p:txBody>
-      </p:sp>
-      <p:sp>
-        <p:nvSpPr>
-          <p:cNvPr id="21" name="LaunchHelpContent1">
-            <a:extLst>
-              <a:ext uri="{FF2B5EF4-FFF2-40B4-BE49-F238E27FC236}">
-                <a16:creationId xmlns:a16="http://schemas.microsoft.com/office/drawing/2014/main" id="{3DDB314C-721F-4AB1-903B-8A65D874228D}"/>
-              </a:ext>
-            </a:extLst>
-          </p:cNvPr>
-          <p:cNvSpPr txBox="1"/>
-          <p:nvPr/>
-        </p:nvSpPr>
-        <p:spPr>
-          <a:xfrm>
-            <a:off x="914400" y="1791044"/>
-            <a:ext cx="10863192" cy="334054"/>
-          </a:xfrm>
-          <a:prstGeom prst="rect">
-            <a:avLst/>
-          </a:prstGeom>
-          <a:noFill/>
-          <a:ln w="9525" cmpd="sng">
-            <a:noFill/>
-          </a:ln>
-        </p:spPr>
-        <p:style>
-          <a:lnRef idx="0">
-            <a:scrgbClr r="0" g="0" b="0"/>
-          </a:lnRef>
-          <a:fillRef idx="0">
-            <a:scrgbClr r="0" g="0" b="0"/>
-          </a:fillRef>
-          <a:effectRef idx="0">
-            <a:scrgbClr r="0" g="0" b="0"/>
-          </a:effectRef>
-          <a:fontRef idx="minor">
-            <a:schemeClr val="dk1"/>
-          </a:fontRef>
-        </p:style>
-        <p:txBody>
-          <a:bodyPr wrap="none" lIns="0" rtlCol="0" anchor="ctr" anchorCtr="0">
-            <a:normAutofit/>
-          </a:bodyPr>
-          <a:lstStyle>
-            <a:lvl1pPr marL="0" indent="0">
-              <a:defRPr sz="1100">
-                <a:solidFill>
-                  <a:schemeClr val="dk1"/>
-                </a:solidFill>
-                <a:latin typeface="+mn-lt"/>
-                <a:ea typeface="+mn-ea"/>
-                <a:cs typeface="+mn-cs"/>
-              </a:defRPr>
-            </a:lvl1pPr>
-            <a:lvl2pPr marL="457200" indent="0">
-              <a:defRPr sz="1100">
-                <a:solidFill>
-                  <a:schemeClr val="dk1"/>
-                </a:solidFill>
-                <a:latin typeface="+mn-lt"/>
-                <a:ea typeface="+mn-ea"/>
-                <a:cs typeface="+mn-cs"/>
-              </a:defRPr>
-            </a:lvl2pPr>
-            <a:lvl3pPr marL="914400" indent="0">
-              <a:defRPr sz="1100">
-                <a:solidFill>
-                  <a:schemeClr val="dk1"/>
-                </a:solidFill>
-                <a:latin typeface="+mn-lt"/>
-                <a:ea typeface="+mn-ea"/>
-                <a:cs typeface="+mn-cs"/>
-              </a:defRPr>
-            </a:lvl3pPr>
-            <a:lvl4pPr marL="1371600" indent="0">
-              <a:defRPr sz="1100">
-                <a:solidFill>
-                  <a:schemeClr val="dk1"/>
-                </a:solidFill>
-                <a:latin typeface="+mn-lt"/>
-                <a:ea typeface="+mn-ea"/>
-                <a:cs typeface="+mn-cs"/>
-              </a:defRPr>
-            </a:lvl4pPr>
-            <a:lvl5pPr marL="1828800" indent="0">
-              <a:defRPr sz="1100">
-                <a:solidFill>
-                  <a:schemeClr val="dk1"/>
-                </a:solidFill>
-                <a:latin typeface="+mn-lt"/>
-                <a:ea typeface="+mn-ea"/>
-                <a:cs typeface="+mn-cs"/>
-              </a:defRPr>
-            </a:lvl5pPr>
-            <a:lvl6pPr marL="2286000" indent="0">
-              <a:defRPr sz="1100">
-                <a:solidFill>
-                  <a:schemeClr val="dk1"/>
-                </a:solidFill>
-                <a:latin typeface="+mn-lt"/>
-                <a:ea typeface="+mn-ea"/>
-                <a:cs typeface="+mn-cs"/>
-              </a:defRPr>
-            </a:lvl6pPr>
-            <a:lvl7pPr marL="2743200" indent="0">
-              <a:defRPr sz="1100">
-                <a:solidFill>
-                  <a:schemeClr val="dk1"/>
-                </a:solidFill>
-                <a:latin typeface="+mn-lt"/>
-                <a:ea typeface="+mn-ea"/>
-                <a:cs typeface="+mn-cs"/>
-              </a:defRPr>
-            </a:lvl7pPr>
-            <a:lvl8pPr marL="3200400" indent="0">
-              <a:defRPr sz="1100">
-                <a:solidFill>
-                  <a:schemeClr val="dk1"/>
-                </a:solidFill>
-                <a:latin typeface="+mn-lt"/>
-                <a:ea typeface="+mn-ea"/>
-                <a:cs typeface="+mn-cs"/>
-              </a:defRPr>
-            </a:lvl8pPr>
-            <a:lvl9pPr marL="3657600" indent="0">
-              <a:defRPr sz="1100">
-                <a:solidFill>
-                  <a:schemeClr val="dk1"/>
-                </a:solidFill>
-                <a:latin typeface="+mn-lt"/>
-                <a:ea typeface="+mn-ea"/>
-                <a:cs typeface="+mn-cs"/>
-              </a:defRPr>
-            </a:lvl9pPr>
-          </a:lstStyle>
-          <a:p>
-            <a:r>
-              <a:rPr lang="en-US" sz="1200" b="0" i="0" dirty="0">
-                <a:latin typeface="Segoe UI" panose="020B0502040204020203" pitchFamily="34" charset="0"/>
-                <a:cs typeface="Segoe UI" panose="020B0502040204020203" pitchFamily="34" charset="0"/>
-              </a:rPr>
-              <a:t>After you install the add-in, you can launch it by choosing the add-in button on the Insert tab</a:t>
-            </a:r>
-            <a:endParaRPr lang="en-US" sz="1200" b="1" i="0" dirty="0">
-              <a:latin typeface="Segoe UI" panose="020B0502040204020203" pitchFamily="34" charset="0"/>
-              <a:cs typeface="Segoe UI" panose="020B0502040204020203" pitchFamily="34" charset="0"/>
-            </a:endParaRPr>
-          </a:p>
-        </p:txBody>
-      </p:sp>
-      <p:sp>
-        <p:nvSpPr>
-          <p:cNvPr id="22" name="LaunchHelpHeader">
-            <a:extLst>
-              <a:ext uri="{FF2B5EF4-FFF2-40B4-BE49-F238E27FC236}">
-                <a16:creationId xmlns:a16="http://schemas.microsoft.com/office/drawing/2014/main" id="{AB584A37-30D1-4FA4-900C-FBDB7748536B}"/>
+          <p:cNvPr id="6" name="Add-in_Banner">
+            <a:extLst>
+              <a:ext uri="{FF2B5EF4-FFF2-40B4-BE49-F238E27FC236}">
+                <a16:creationId xmlns:a16="http://schemas.microsoft.com/office/drawing/2014/main" id="{3469E413-BCF5-4E2F-BE4B-EB617C589FA5}"/>
               </a:ext>
             </a:extLst>
           </p:cNvPr>
@@ -4373,108 +3747,6 @@
           <p:nvPr>
             <p:ph type="title"/>
           </p:nvPr>
-        </p:nvSpPr>
-        <p:spPr>
-          <a:xfrm>
-            <a:off x="914400" y="1239451"/>
-            <a:ext cx="10863192" cy="496308"/>
-          </a:xfrm>
-          <a:prstGeom prst="rect">
-            <a:avLst/>
-          </a:prstGeom>
-        </p:spPr>
-        <p:txBody>
-          <a:bodyPr wrap="none" lIns="0" rtlCol="0" anchor="ctr" anchorCtr="0">
-            <a:normAutofit/>
-          </a:bodyPr>
-          <a:lstStyle>
-            <a:lvl1pPr marL="0" indent="0">
-              <a:defRPr sz="1100">
-                <a:latin typeface="+mn-lt"/>
-                <a:ea typeface="+mn-ea"/>
-                <a:cs typeface="+mn-cs"/>
-              </a:defRPr>
-            </a:lvl1pPr>
-            <a:lvl2pPr marL="457200" indent="0">
-              <a:defRPr sz="1100">
-                <a:latin typeface="+mn-lt"/>
-                <a:ea typeface="+mn-ea"/>
-                <a:cs typeface="+mn-cs"/>
-              </a:defRPr>
-            </a:lvl2pPr>
-            <a:lvl3pPr marL="914400" indent="0">
-              <a:defRPr sz="1100">
-                <a:latin typeface="+mn-lt"/>
-                <a:ea typeface="+mn-ea"/>
-                <a:cs typeface="+mn-cs"/>
-              </a:defRPr>
-            </a:lvl3pPr>
-            <a:lvl4pPr marL="1371600" indent="0">
-              <a:defRPr sz="1100">
-                <a:latin typeface="+mn-lt"/>
-                <a:ea typeface="+mn-ea"/>
-                <a:cs typeface="+mn-cs"/>
-              </a:defRPr>
-            </a:lvl4pPr>
-            <a:lvl5pPr marL="1828800" indent="0">
-              <a:defRPr sz="1100">
-                <a:latin typeface="+mn-lt"/>
-                <a:ea typeface="+mn-ea"/>
-                <a:cs typeface="+mn-cs"/>
-              </a:defRPr>
-            </a:lvl5pPr>
-            <a:lvl6pPr marL="2286000" indent="0">
-              <a:defRPr sz="1100">
-                <a:latin typeface="+mn-lt"/>
-                <a:ea typeface="+mn-ea"/>
-                <a:cs typeface="+mn-cs"/>
-              </a:defRPr>
-            </a:lvl6pPr>
-            <a:lvl7pPr marL="2743200" indent="0">
-              <a:defRPr sz="1100">
-                <a:latin typeface="+mn-lt"/>
-                <a:ea typeface="+mn-ea"/>
-                <a:cs typeface="+mn-cs"/>
-              </a:defRPr>
-            </a:lvl7pPr>
-            <a:lvl8pPr marL="3200400" indent="0">
-              <a:defRPr sz="1100">
-                <a:latin typeface="+mn-lt"/>
-                <a:ea typeface="+mn-ea"/>
-                <a:cs typeface="+mn-cs"/>
-              </a:defRPr>
-            </a:lvl8pPr>
-            <a:lvl9pPr marL="3657600" indent="0">
-              <a:defRPr sz="1100">
-                <a:latin typeface="+mn-lt"/>
-                <a:ea typeface="+mn-ea"/>
-                <a:cs typeface="+mn-cs"/>
-              </a:defRPr>
-            </a:lvl9pPr>
-          </a:lstStyle>
-          <a:p>
-            <a:pPr algn="l" rtl="0"/>
-            <a:r>
-              <a:rPr lang="en-US" sz="2400" dirty="0">
-                <a:latin typeface="Segoe UI Light" panose="020B0502040204020203" pitchFamily="34" charset="0"/>
-                <a:cs typeface="Segoe UI Light" panose="020B0502040204020203" pitchFamily="34" charset="0"/>
-              </a:rPr>
-              <a:t>Relaunch the add-in</a:t>
-            </a:r>
-          </a:p>
-        </p:txBody>
-      </p:sp>
-      <p:sp>
-        <p:nvSpPr>
-          <p:cNvPr id="14" name="Add-in_Banner">
-            <a:extLst>
-              <a:ext uri="{FF2B5EF4-FFF2-40B4-BE49-F238E27FC236}">
-                <a16:creationId xmlns:a16="http://schemas.microsoft.com/office/drawing/2014/main" id="{E6F38A83-0D43-4BB2-A6E1-EF52D195B184}"/>
-              </a:ext>
-            </a:extLst>
-          </p:cNvPr>
-          <p:cNvSpPr txBox="1"/>
-          <p:nvPr/>
         </p:nvSpPr>
         <p:spPr>
           <a:xfrm>
@@ -4518,7 +3790,7 @@
           </a:bodyPr>
           <a:lstStyle/>
           <a:p>
-            <a:pPr>
+            <a:pPr algn="l" rtl="0">
               <a:spcAft>
                 <a:spcPts val="0"/>
               </a:spcAft>
@@ -4546,10 +3818,10 @@
       </p:sp>
       <p:pic>
         <p:nvPicPr>
-          <p:cNvPr id="15" name="Add-in_Icon" descr="Icon for Microsoft Power BI.">
-            <a:extLst>
-              <a:ext uri="{FF2B5EF4-FFF2-40B4-BE49-F238E27FC236}">
-                <a16:creationId xmlns:a16="http://schemas.microsoft.com/office/drawing/2014/main" id="{1B82359A-FB32-493E-B411-3F0BBC45D5CE}"/>
+          <p:cNvPr id="7" name="Add-in_Icon" descr="Icon for Microsoft Power BI.">
+            <a:extLst>
+              <a:ext uri="{FF2B5EF4-FFF2-40B4-BE49-F238E27FC236}">
+                <a16:creationId xmlns:a16="http://schemas.microsoft.com/office/drawing/2014/main" id="{87D43E1C-7B4D-44A2-8E6D-6786349BFB58}"/>
               </a:ext>
             </a:extLst>
           </p:cNvPr>
@@ -4557,7 +3829,7 @@
           <p:nvPr/>
         </p:nvPicPr>
         <p:blipFill>
-          <a:blip r:embed="rId4"/>
+          <a:blip r:embed="rId2"/>
           <a:stretch>
             <a:fillRect/>
           </a:stretch>
@@ -4573,10 +3845,249 @@
           <a:noFill/>
         </p:spPr>
       </p:pic>
+      <mc:AlternateContent xmlns:mc="http://schemas.openxmlformats.org/markup-compatibility/2006">
+        <mc:Choice xmlns:we="http://schemas.microsoft.com/office/webextensions/webextension/2010/11" xmlns:pca="http://schemas.microsoft.com/office/powerpoint/2013/contentapp" Requires="we pca">
+          <p:graphicFrame>
+            <p:nvGraphicFramePr>
+              <p:cNvPr id="2" name="Add-in" descr="Add-in content for Microsoft Power BI."/>
+              <p:cNvGraphicFramePr>
+                <a:graphicFrameLocks noGrp="1"/>
+              </p:cNvGraphicFramePr>
+              <p:nvPr/>
+            </p:nvGraphicFramePr>
+            <p:xfrm>
+              <a:off x="721012" y="1170879"/>
+              <a:ext cx="10749976" cy="5335725"/>
+            </p:xfrm>
+            <a:graphic>
+              <a:graphicData uri="http://schemas.microsoft.com/office/webextensions/webextension/2010/11">
+                <we:webextensionref xmlns:we="http://schemas.microsoft.com/office/webextensions/webextension/2010/11" xmlns:r="http://schemas.openxmlformats.org/officeDocument/2006/relationships" r:id="rId3"/>
+              </a:graphicData>
+            </a:graphic>
+          </p:graphicFrame>
+        </mc:Choice>
+        <mc:Fallback>
+          <p:pic>
+            <p:nvPicPr>
+              <p:cNvPr id="2" name="Add-in" descr="Add-in content for Microsoft Power BI."/>
+              <p:cNvPicPr>
+                <a:picLocks noGrp="1" noRot="1" noChangeAspect="1" noMove="1" noResize="1" noEditPoints="1" noAdjustHandles="1" noChangeArrowheads="1" noChangeShapeType="1"/>
+              </p:cNvPicPr>
+              <p:nvPr/>
+            </p:nvPicPr>
+            <p:blipFill>
+              <a:blip r:embed="rId4"/>
+              <a:stretch>
+                <a:fillRect/>
+              </a:stretch>
+            </p:blipFill>
+            <p:spPr>
+              <a:xfrm>
+                <a:off x="721012" y="1170879"/>
+                <a:ext cx="10749976" cy="5335725"/>
+              </a:xfrm>
+              <a:prstGeom prst="rect">
+                <a:avLst/>
+              </a:prstGeom>
+            </p:spPr>
+          </p:pic>
+        </mc:Fallback>
+      </mc:AlternateContent>
     </p:spTree>
     <p:extLst>
       <p:ext uri="{BB962C8B-B14F-4D97-AF65-F5344CB8AC3E}">
-        <p14:creationId xmlns:p14="http://schemas.microsoft.com/office/powerpoint/2010/main" val="2282759447"/>
+        <p14:creationId xmlns:p14="http://schemas.microsoft.com/office/powerpoint/2010/main" val="4067606155"/>
+      </p:ext>
+    </p:extLst>
+  </p:cSld>
+  <p:clrMapOvr>
+    <a:masterClrMapping/>
+  </p:clrMapOvr>
+</p:sld>
+</file>
+
+<file path=ppt/slides/slide4.xml><?xml version="1.0" encoding="utf-8"?>
+<p:sld xmlns:a="http://schemas.openxmlformats.org/drawingml/2006/main" xmlns:r="http://schemas.openxmlformats.org/officeDocument/2006/relationships" xmlns:p="http://schemas.openxmlformats.org/presentationml/2006/main">
+  <p:cSld>
+    <p:spTree>
+      <p:nvGrpSpPr>
+        <p:cNvPr id="1" name=""/>
+        <p:cNvGrpSpPr/>
+        <p:nvPr/>
+      </p:nvGrpSpPr>
+      <p:grpSpPr>
+        <a:xfrm>
+          <a:off x="0" y="0"/>
+          <a:ext cx="0" cy="0"/>
+          <a:chOff x="0" y="0"/>
+          <a:chExt cx="0" cy="0"/>
+        </a:xfrm>
+      </p:grpSpPr>
+      <p:sp>
+        <p:nvSpPr>
+          <p:cNvPr id="6" name="Add-in_Banner">
+            <a:extLst>
+              <a:ext uri="{FF2B5EF4-FFF2-40B4-BE49-F238E27FC236}">
+                <a16:creationId xmlns:a16="http://schemas.microsoft.com/office/drawing/2014/main" id="{3469E413-BCF5-4E2F-BE4B-EB617C589FA5}"/>
+              </a:ext>
+            </a:extLst>
+          </p:cNvPr>
+          <p:cNvSpPr txBox="1">
+            <a:spLocks noGrp="1"/>
+          </p:cNvSpPr>
+          <p:nvPr>
+            <p:ph type="title"/>
+          </p:nvPr>
+        </p:nvSpPr>
+        <p:spPr>
+          <a:xfrm>
+            <a:off x="0" y="351395"/>
+            <a:ext cx="12192000" cy="640515"/>
+          </a:xfrm>
+          <a:prstGeom prst="rect">
+            <a:avLst/>
+          </a:prstGeom>
+          <a:solidFill>
+            <a:srgbClr val="494748">
+              <a:alpha val="4706"/>
+            </a:srgbClr>
+          </a:solidFill>
+          <a:ln>
+            <a:noFill/>
+          </a:ln>
+        </p:spPr>
+        <p:style>
+          <a:lnRef idx="2">
+            <a:schemeClr val="accent1">
+              <a:shade val="50000"/>
+            </a:schemeClr>
+          </a:lnRef>
+          <a:fillRef idx="1">
+            <a:schemeClr val="accent1"/>
+          </a:fillRef>
+          <a:effectRef idx="0">
+            <a:schemeClr val="accent1"/>
+          </a:effectRef>
+          <a:fontRef idx="minor">
+            <a:schemeClr val="lt1"/>
+          </a:fontRef>
+        </p:style>
+        <p:txBody>
+          <a:bodyPr rot="0" spcFirstLastPara="0" vert="horz" wrap="square" lIns="1332000" tIns="180000" rIns="216000" bIns="180000" numCol="1" spcCol="0" rtlCol="0" fromWordArt="0" anchor="ctr" anchorCtr="0" forceAA="0" compatLnSpc="1">
+            <a:prstTxWarp prst="textNoShape">
+              <a:avLst/>
+            </a:prstTxWarp>
+            <a:spAutoFit/>
+          </a:bodyPr>
+          <a:lstStyle/>
+          <a:p>
+            <a:pPr algn="l" rtl="0">
+              <a:spcAft>
+                <a:spcPts val="0"/>
+              </a:spcAft>
+            </a:pPr>
+            <a:r>
+              <a:rPr lang="en-GB" sz="1800" dirty="0">
+                <a:solidFill>
+                  <a:srgbClr val="000000"/>
+                </a:solidFill>
+                <a:effectLst/>
+                <a:latin typeface="Segoe UI Light" panose="020B0502040204020203" pitchFamily="34" charset="0"/>
+                <a:ea typeface="Calibri" panose="020F0502020204030204" pitchFamily="34" charset="0"/>
+                <a:cs typeface="Segoe UI Light" panose="020B0502040204020203" pitchFamily="34" charset="0"/>
+              </a:rPr>
+              <a:t>Microsoft Power BI</a:t>
+            </a:r>
+            <a:endParaRPr lang="en-IE" sz="1200" dirty="0">
+              <a:effectLst/>
+              <a:latin typeface="Segoe UI Light" panose="020B0502040204020203" pitchFamily="34" charset="0"/>
+              <a:ea typeface="Calibri" panose="020F0502020204030204" pitchFamily="34" charset="0"/>
+              <a:cs typeface="Segoe UI Light" panose="020B0502040204020203" pitchFamily="34" charset="0"/>
+            </a:endParaRPr>
+          </a:p>
+        </p:txBody>
+      </p:sp>
+      <p:pic>
+        <p:nvPicPr>
+          <p:cNvPr id="7" name="Add-in_Icon" descr="Icon for Microsoft Power BI.">
+            <a:extLst>
+              <a:ext uri="{FF2B5EF4-FFF2-40B4-BE49-F238E27FC236}">
+                <a16:creationId xmlns:a16="http://schemas.microsoft.com/office/drawing/2014/main" id="{87D43E1C-7B4D-44A2-8E6D-6786349BFB58}"/>
+              </a:ext>
+            </a:extLst>
+          </p:cNvPr>
+          <p:cNvPicPr/>
+          <p:nvPr/>
+        </p:nvPicPr>
+        <p:blipFill>
+          <a:blip r:embed="rId2"/>
+          <a:stretch>
+            <a:fillRect/>
+          </a:stretch>
+        </p:blipFill>
+        <p:spPr bwMode="auto">
+          <a:xfrm>
+            <a:off x="914400" y="530365"/>
+            <a:ext cx="291465" cy="291465"/>
+          </a:xfrm>
+          <a:prstGeom prst="rect">
+            <a:avLst/>
+          </a:prstGeom>
+          <a:noFill/>
+        </p:spPr>
+      </p:pic>
+      <mc:AlternateContent xmlns:mc="http://schemas.openxmlformats.org/markup-compatibility/2006">
+        <mc:Choice xmlns:we="http://schemas.microsoft.com/office/webextensions/webextension/2010/11" xmlns:pca="http://schemas.microsoft.com/office/powerpoint/2013/contentapp" Requires="we pca">
+          <p:graphicFrame>
+            <p:nvGraphicFramePr>
+              <p:cNvPr id="2" name="Add-in" descr="Add-in content for Microsoft Power BI."/>
+              <p:cNvGraphicFramePr>
+                <a:graphicFrameLocks noGrp="1"/>
+              </p:cNvGraphicFramePr>
+              <p:nvPr/>
+            </p:nvGraphicFramePr>
+            <p:xfrm>
+              <a:off x="721012" y="1170879"/>
+              <a:ext cx="10749976" cy="5335725"/>
+            </p:xfrm>
+            <a:graphic>
+              <a:graphicData uri="http://schemas.microsoft.com/office/webextensions/webextension/2010/11">
+                <we:webextensionref xmlns:we="http://schemas.microsoft.com/office/webextensions/webextension/2010/11" xmlns:r="http://schemas.openxmlformats.org/officeDocument/2006/relationships" r:id="rId3"/>
+              </a:graphicData>
+            </a:graphic>
+          </p:graphicFrame>
+        </mc:Choice>
+        <mc:Fallback>
+          <p:pic>
+            <p:nvPicPr>
+              <p:cNvPr id="2" name="Add-in" descr="Add-in content for Microsoft Power BI."/>
+              <p:cNvPicPr>
+                <a:picLocks noGrp="1" noRot="1" noChangeAspect="1" noMove="1" noResize="1" noEditPoints="1" noAdjustHandles="1" noChangeArrowheads="1" noChangeShapeType="1"/>
+              </p:cNvPicPr>
+              <p:nvPr/>
+            </p:nvPicPr>
+            <p:blipFill>
+              <a:blip r:embed="rId4"/>
+              <a:stretch>
+                <a:fillRect/>
+              </a:stretch>
+            </p:blipFill>
+            <p:spPr>
+              <a:xfrm>
+                <a:off x="721012" y="1170879"/>
+                <a:ext cx="10749976" cy="5335725"/>
+              </a:xfrm>
+              <a:prstGeom prst="rect">
+                <a:avLst/>
+              </a:prstGeom>
+            </p:spPr>
+          </p:pic>
+        </mc:Fallback>
+      </mc:AlternateContent>
+    </p:spTree>
+    <p:extLst>
+      <p:ext uri="{BB962C8B-B14F-4D97-AF65-F5344CB8AC3E}">
+        <p14:creationId xmlns:p14="http://schemas.microsoft.com/office/powerpoint/2010/main" val="3387767484"/>
       </p:ext>
     </p:extLst>
   </p:cSld>
@@ -4888,6 +4399,33 @@
 </file>
 
 <file path=ppt/webextensions/webextension1.xml><?xml version="1.0" encoding="utf-8"?>
+<we:webextension xmlns:we="http://schemas.microsoft.com/office/webextensions/webextension/2010/11" id="{3BF552AD-37EC-4447-B58B-D9CB3EBC435F}">
+  <we:reference id="WA200003233" version="2.0.0.3" store="en-US" storeType="OMEX"/>
+  <we:alternateReferences/>
+  <we:properties>
+    <we:property name="Microsoft.Office.CampaignId" value="&quot;none&quot;"/>
+    <we:property name="reportUrl" value="&quot;/groups/me/reports/2a4ca978-78d8-48ce-8f45-4f768c259b9e/ReportSection?bookmarkGuid=1b0e0a17-4464-453f-9c0d-b789e3cb90b4&amp;bookmarkUsage=1&amp;ctid=b73c22a0-5199-467c-9987-e80a29cfcfcf&amp;fromEntryPoint=export&quot;"/>
+    <we:property name="reportState" value="&quot;CONNECTED&quot;"/>
+    <we:property name="reportEmbeddedTime" value="&quot;2023-04-12T04:48:55.880Z&quot;"/>
+    <we:property name="creatorSessionId" value="&quot;38a0c82d-7c30-42e5-9593-c6735bb91db8&quot;"/>
+    <we:property name="creatorUserId" value="&quot;10032000C9E73049&quot;"/>
+    <we:property name="creatorTenantId" value="&quot;b73c22a0-5199-467c-9987-e80a29cfcfcf&quot;"/>
+    <we:property name="reportName" value="&quot;Bike_Data_Visualization&quot;"/>
+    <we:property name="isFiltersActionButtonVisible" value="true"/>
+    <we:property name="initialStateBookmark" value="&quot;H4sIAAAAAAAAA+1YbU/bSBD+K8hf+BJOu+v4JXwLgeokoK0o4nQ6oWh2d5xscWxrvaHkqvz3G78BgUC4lPaqHlIk27PreX3mmXW+etqURQqL9zBDb987yPOrGdirHe71vKyVffhwfDo8Ox6/H54ekTgvnMmz0tv/6jmwE3QXppxDWmkg4V+XPQ/S9CNMqqcE0hJ7XoG2zDNIzd/YbKYlZ+e47Hl4U6S5hUrlJwcOK7XXtJ2eyTb/zSeLoJy5xk+oXCM9wyK3rnvueWVzV7u0ulYpqw2O8syByUhxJUuiQEoZ933FmGRhjAx4LTepa7fIxdFNYSkeinJRVHkY6mvIFGqvdtpiWbYWfjdowarp4gSvMa0kR+vXHy99tDnlxi0uwJomB/ncKny8sZGfYVIvZc440uZJc4VjDQ6Et6RctkW8VUaedgZIXFK1HOoxuHrzPa+8Q0r8zp2gWm5j8f5EsLVgmn8ZWaSN2ttny95tWkYkmuTWKEj/X5k5JUhNn03Nk4gZTiYWJ9BBdDWgUZ7OZ2vkLwr0XlSNHl6L382ztiGCbWv5Wm7NcCbRjhVUbbkmfZckKU02SVuquOvh88bJlNp4NKWKVVwkP1OnVw277GiCTH2+xwdtSIu6k39pPHad+ouH2bXd5bKSKp9p6Yd+JDFCGUA/Emwjk78ezEeQYqZbhrwXmobFOE/GXxCv3hjihzOESuclVR9149GWZPE9kHALWglqECITAFJorkFtf/x4g8o3QKUw62dJbjXagwYIh8Z2x0nRe+Dwf5v85eXrA/nlyW7AHIRKJyoQRL4B8oQF/XDwAxn4aXfvxsvO4fD8aBt0lKlRaFewQVmgb57qZoL0OVG9RGEVjVmD5V3oq3cX3TcNQeidzWf1a+18lGRhXUA9r/GDVXX+Y0qM1tYz06ZD3DDT1eUEE9ckb1bQtC27VHZPx6baJ3r3Nr4gy93wJw9fkNwzM5nWuk+MazJDYUM6x5oGHTozw13BBN/jYo/xc8b2698uvb3y/vNB+D9FEGJtEMumK6p6VSVcg43a5mH7oYt1W2yXMGqbTP9LReQ03/PZQ0WzXG/SsnuAjmZY1oZ5uXyaI/lDjvx+Df0k/9Vul6/Kfo+tN/zHifB8On0OWDiQMon7QtQd+SyxOLxxMr9ZnTr10SBQXIhwEPeZDnkYJFqIt/Psax9SNp8gf86Dox9FkeCgfPCZSLj2I1QbsVZOga6PkBboQQAJMhkhAxQxKhVuq4sHgYoHg1jEKkmCSCqefEMPBHEcIAE/JEVxwiMp/Wh7bdzXeuBHGmLFIO4nIgo2x/mktn6f++RUGPQTCIQWgWRi26xFkQ76HCMqoj9gsp9EArbTVatbd0bJ564sQOFHyHDNMKIehUyj3kD+1V+1zaQgV4xMNw2Lbn87DP8BxLoQqWUWAAA=&quot;"/>
+    <we:property name="bookmark" value="&quot;H4sIAAAAAAAAA+1YbU/bSBD+K8hf+BJOu+v4JXwLgeokoK0o4nQ6oWh2d5xscWxrvaHkqvz3G78BgUC4lPaqHlIk27PreX3mmXW+etqURQqL9zBDb987yPOrGdirHe71vKyVffhwfDo8Ox6/H54ekTgvnMmz0tv/6jmwE3QXppxDWmkg4V+XPQ/S9CNMqqcE0hJ7XoG2zDNIzd/YbKYlZ+e47Hl4U6S5hUrlJwcOK7XXtJ2eyTb/zSeLoJy5xk+oXCM9wyK3rnvueWVzV7u0ulYpqw2O8syByUhxJUuiQEoZ933FmGRhjAx4LTepa7fIxdFNYSkeinJRVHkY6mvIFGqvdtpiWbYWfjdowarp4gSvMa0kR+vXHy99tDnlxi0uwJomB/ncKny8sZGfYVIvZc440uZJc4VjDQ6Et6RctkW8VUaedgZIXFK1HOoxuHrzPa+8Q0r8zp2gWm5j8f5EsLVgmn8ZWaSN2ttny95tWkYkmuTWKEj/X5k5JUhNn03Nk4gZTiYWJ9BBdDWgUZ7OZ2vkLwr0XlSNHl6L382ztiGCbWv5Wm7NcCbRjhVUbbkmfZckKU02SVuquOvh88bJlNp4NKWKVVwkP1OnVw277GiCTH2+xwdtSIu6k39pPHad+ouH2bXd5bKSKp9p6Yd+JDFCGUA/Emwjk78ezEeQYqZbhrwXmobFOE/GXxCv3hjihzOESuclVR9149GWZPE9kHALWglqECITAFJorkFtf/x4g8o3QKUw62dJbjXagwYIh8Z2x0nRe+Dwf5v85eXrA/nlyW7AHIRKJyoQRL4B8oQF/XDwAxn4aXfvxsvO4fD8aBt0lKlRaFewQVmgb57qZoL0OVG9RGEVjVmD5V3oq3cX3TcNQeidzWf1a+18lGRhXUA9r/GDVXX+Y0qM1tYz06ZD3DDT1eUEE9ckb1bQtC27VHZPx6baJ3r3Nr4gy93wJw9fkNwzM5nWuk+MazJDYUM6x5oGHTozw13BBN/jYo/xc8b2698uvb3y/vNB+D9FEGJtEMumK6p6VSVcg43a5mH7oYt1W2yXMGqbTP9LReQ03/PZQ0WzXG/SsnuAjmZY1oZ5uXyaI/lDjvx+Df0k/9Vul6/Kfo+tN/zHifB8On0OWDiQMon7QtQd+SyxOLxxMr9ZnTr10SBQXIhwEPeZDnkYJFqIt/Psax9SNp8gf86Dox9FkeCgfPCZSLj2I1QbsVZOga6PkBboQQAJMhkhAxQxKhVuq4sHgYoHg1jEKkmCSCqefEMPBHEcIAE/JEVxwiMp/Wh7bdzXeuBHGmLFIO4nIgo2x/mktn6f++RUGPQTCIQWgWRi26xFkQ76HCMqoj9gsp9EArbTVatbd0bJ564sQOFHyHDNMKIehUyj3kD+1V+1zaQgV4xMNw2Lbn87DP8BxLoQqWUWAAA=&quot;"/>
+    <we:property name="embedUrl" value="&quot;/reportEmbed?reportId=2a4ca978-78d8-48ce-8f45-4f768c259b9e&amp;config=eyJjbHVzdGVyVXJsIjoiaHR0cHM6Ly9XQUJJLVVTLUVBU1QyLXJlZGlyZWN0LmFuYWx5c2lzLndpbmRvd3MubmV0IiwiZW1iZWRGZWF0dXJlcyI6eyJtb2Rlcm5FbWJlZCI6dHJ1ZSwidXNhZ2VNZXRyaWNzVk5leHQiOnRydWV9fQ%3D%3D&amp;disableSensitivityBanner=true&quot;"/>
+    <we:property name="datasetId" value="&quot;0d77d7d5-76cb-4c33-be0e-0c20254a1cb3&quot;"/>
+    <we:property name="pageName" value="&quot;ReportSection&quot;"/>
+    <we:property name="pageDisplayName" value="&quot;Count of Rides&quot;"/>
+    <we:property name="backgroundColor" value="&quot;#FFFFFF&quot;"/>
+  </we:properties>
+  <we:bindings/>
+  <we:snapshot xmlns:r="http://schemas.openxmlformats.org/officeDocument/2006/relationships" r:embed="rId1"/>
+</we:webextension>
+</file>
+
+<file path=ppt/webextensions/webextension2.xml><?xml version="1.0" encoding="utf-8"?>
 <we:webextension xmlns:we="http://schemas.microsoft.com/office/webextensions/webextension/2010/11" id="{8d3e82bf-0fcb-44dd-9147-6659e099ea0f}">
   <we:reference id="WA200003233" version="2.0.0.3" store="en-US" storeType="OMEX"/>
   <we:alternateReferences/>
@@ -4902,11 +4440,65 @@
     <we:property name="reportName" value="&quot;Bike_Data_Visualization&quot;"/>
     <we:property name="isFiltersActionButtonVisible" value="true"/>
     <we:property name="initialStateBookmark" value="&quot;H4sIAAAAAAAAA+1YbU/bOhT+K8hfuJPKlLemDd9K26srARsCxDRdoeokPkk90iRyHLYO9b/v2EmAlkJZ72ViaBIS8bF9/DzHj4+Pe8O4KIsU5h9ghmyfHeT51Qzk1Y7NOixrbB8/Hh4PTg8nHwbHYzLnhRJ5VrL9G6ZAJqguRFlBqj2Q8d/LDoM0PYFEt2JIS+ywAmWZZ5CK71gPpi4lK1x0GH4r0lyCdnmmQKF2e03DqU1r2+9dWhEiJa7xDCNVW0+xyKVq2rHjhVHc76IPQRhF/W7XimlOWfcamJvH60UNsGGeKRAZAdA2OwTu2n2f+z2/G0DPDThoeyxS1QwJ5+NvhSTeFI15oeM1JBZJLkUEKTP8JJY1nRs2zNNqZr7GS/azvJIRnqJBMs6UUHPjKcWMg2QLCtSJzCmMxs5hPsnjyVfEK9M1zb8OJdKynO1bi84tkgG/hiwi6yqMQZJITEA1zfF/wBiKK5xwUOCsohyJOEaJBGDnr2ORVQrLd2bM31XW7KT9FPr/L46PY5zhLEQ5iUDv/ZpYXpKlFFmSNrq9E8p5DTJKq5KkgLxGNJyCVPqMhF9IbVogi1a+tOqXe5ps2M2Ncl5CFpcL3R31AtuOHavv9QN0+y4Ahn8U/KIK3qyZ1ymVrucB933PQt/p+oFlW5b7C6Wy/SH9veXyDPT/CJQgo+n8CK8xfQj0tv9hVwvvAqSoL1lDakuyTZVw64wt8S+pHCBSE1Bm8D1UbERsd+4Murvhwj5jI89t7oE3HZljqkWm21xKKRUwW6aXNx3QVmpvnGarmzqtW73ICqy464JFVazjBq79KyuAx9PlHbmd0eB8vI3Qy1REKJdUTrcFvUn0R4JUxutJRKuolxVY3lFf/rpo3xwO5WuZz8y0ZndCWmEdoQ6rcRDSDvs0pdzfXNEZF+1VM8i4/neEsaqDNytor8s2lG3rUOhxTufewGdEuZUeIXxGcE9FMjW+j4SqI0O0Ia3QFAQKlZjhrmM59p7t7Fn2uWXtm79dmr00/2kS7qsg4awlsahPhd4vvYVrtGHWHDUPUTTHYruA0bHJ+E86ItD2nmutOprlfJOX3QNUVM1lDc1LPS2XHOVBnddHQrbPZ7vzQvXPw+3ScV575xjY5RYF7c+sXue/2O72As9x3b4fBFbXsyLH25j/fsdCcvO7AyRfrQge0YizqpFXxLsWd+QFceBiL7Ix8Prcifu+2dYnIwDGy0GllLlp70ViUae4dfdIXqmygAhPIMM1CYP0ARlHvuGA6p+76tNMiESYbjrQ7fgmYf0A2frr0qkTAAA=&quot;"/>
-    <we:property name="bookmark" value="&quot;H4sIAAAAAAAAA+1YbU/jOBD+Kyhf2JPKyXltwzcoPZ107AkB4nRaoWpiT1ovaRI5Drtd1P9+YyehtBTK9o4Vi05CIh7b4+cZPx6Pe+cIWZUZzP+EGTqHznFR3MxA3ey5Ts/JV2085izgURyEkQiTuM+4F9GootSyyCvn8M7RoCaor2RVQ2YckvHTdc+BLDuDiWmlkFXYc0pUVZFDJr9hM5i6tKpx0XPwa5kVCozLCw0ajdtbGk5tguL+6tOKwLW8xQvkurGeY1ko3bZTL0h4OggxgjjhfBCGLKU5VdNrYW4fbxa1wIZFrkHmBMDY3ASE7w4iEfWjMIa+Hwsw9lRmuh2SzEdfS0W8KRrz0oRvSCwmhZIcMsfyU1g1dO6cYZHVM/s1WrFfFLXieI4WySjXUs+tpwxzAcpZUKDOVEFhtHYB83GRjr8g3tiuafFlqJCWFc4hW/TukRyJW8g5WddhHE0mCieg2+boX2BM5A2OBWjw1lGeyDRFhQRg78NHmdcaq1/smN/qvN1J9zn0/10cn8Y4w1mCaszB7P2GWF6TpZL5JGt1uxTKZQOSZ3VFUkDRIBpOQWlzRpLPpDYjkEUnX1r18wNNtuzmVjmvIYvrhenm/dh1U48NgkGM/sAHwOR/Bb+qgrdr5m1KJQwCEFEUMIy8MIqZy5j/A6Wy+yH9ueXyAvS/S1Sg+HR+ireYPQZ63/+4q4N3BUo2l6wltSPZtmi4d+as8K+oHCBSY9B28ANUzgmx3VsaTHfLxfkbW3nucg+868h8pFpkusullFEBs2N6edcB7aT2zml2umnSOutzFrM09IFRFev5se/+yArg6XS5JLd3cnQ52kXoVSY5qhWV021BbxLzMUEq480kolU2y0qsltRXv666N4dH+VoVMzut3Z2EVthEqOc0OAhpz/lrSrm/vaJzIbur5igX5t8pproJ3qykva66UHatP6QZ5/UeDHxBlDvpEcIXBPdcTqbW96nUTWSINmQ12oJAo5Yz3PeY5x643gFzLxk7tH/7NHtl/vMk/DdBwttIYtGcCrNfZgs3aMOuedI+RNEei90CRscmF9/piEC7Bz5bdzQrxDYv+8eoqZrLW5rXZlqhBKrjJq+fSNU9n93eK9U/j7fLxHnjnWNhVzsUtN+zepP/Ujfsx4Hn+4MojlkYMO4FW/Pfz1hIbn93gBLrFcETGvHWNfKGeDfi5kGcxj72uYtxMBBeOojstj4bAbBejmut7U37IBKLJsVtukeKWlclcDyDHDckDNIH5ALFlgNqfwlzlhnoH5xbhLOJEwAA&quot;"/>
+    <we:property name="bookmark" value="&quot;H4sIAAAAAAAAA+1YbU/jOBD+K8hf2JPKKc5bE75B6emkY08IEKfTClWTeNJ6SZPIcdntov73GzsJpaVQtnesWHQSEvHYHj/P+PF43DsmZF3lMP8TpsgO2XFZ3kxB3exx1mPFqg0znrii7/IsDXmUcAz6QKPKSsuyqNnhHdOgxqivZD2D3Dgk46frHoM8P4OxaWWQ19hjFaq6LCCX37AZTF1azXDRY/i1yksFxuWFBo3G7S0NpzZB4b96tCKkWt7iBaa6sZ5jVSrdtjPXT9IsCjCEOEnTKAicjObUTa+FuX28WdQCG5SFBlkQAGPjCQiPR6EI+2EQQ9+LBRh7JnPdDknmw6+VIt4UjXllwjcgFuNSyRRyZvkprBs6d2xQ5rOp/Rqu2C/KmUrxHC2SYaGlnltPORYCFFtQoM5USWG0dgHzUZmNviDe2K5J+WWgkJYV7NBZ9O6RHIlbKFKyrsM4Go8VjkG3zeG/wJjIGxwJ0OCuozyRWYYKCcDeh4+ymGmsf7FjfpsV7U7y59D/d3F8GuMUpwmqUQpm7zfE8postSzGeavbpVAuG5BpPqtJCigaRIMJKG3OSPKZ1GYEsujkS6t+fqDJlt3cKuc1ZHG9MN1pP+Y8c53Ij2L0Ig8Ak/8V/KoK3q6ZtymVwPdBhKHvYOgGYexwx/F+oFR2P6Q/t1xegP53iQpUOpmf4i3mj4He9z/u6uBdgZLNJWtJ7Ui2LRrunbEV/jWVA0RqBNoOfoCKnRDbvaXBdLdc2N/YynOXe+BdR+Yj1SKTXS6lnAqYHdPLuw5oJ7V3TrPTTZPWnX7qxE4WeOBQFet6scd/ZAXwdLpckts7Oboc7iL0OpcpqhWV021BbxLzMUYq480kolU1y0qsl9RXv666N4dL+VqVUzut3Z2EVthEqMcaHIS0x/6aUO5vr+hCyO6qOSqE+XeKmW6CN61or+sulF3rD2nGub0HA18Q5U56hPAFwT2X44n1fSp1ExmiDfkMbUGgUcsp7ruOyw+4e+DwS8c5tH/7NHtl/vMkvDdBwt1IYtGcCrNfZgs3aMOuedI+RNEei90CRsemEN/piEDzA89ZdzQtxTYv+8eoqZorWprXZlqpBKrjJq+fSNU9n3nvleqfx9tl4rzxzrGw6x0K2u9Zvcl/GQ/6se96XhTGsRP4Tur6W/Pfz1hIbn93gBLrFcETGnHXNfKGeDfiTv04iz3spxxjPxJuFoV2W5+NAFgvxzOt7U37IBKLJsVtukfKma4rSPEMCtyQMEgfUAgUWw6o/SWMLTPQPx+FEg2JEwAA&quot;"/>
     <we:property name="embedUrl" value="&quot;/reportEmbed?reportId=2a4ca978-78d8-48ce-8f45-4f768c259b9e&amp;config=eyJjbHVzdGVyVXJsIjoiaHR0cHM6Ly9XQUJJLVVTLUVBU1QyLXJlZGlyZWN0LmFuYWx5c2lzLndpbmRvd3MubmV0IiwiZW1iZWRGZWF0dXJlcyI6eyJtb2Rlcm5FbWJlZCI6dHJ1ZSwidXNhZ2VNZXRyaWNzVk5leHQiOnRydWV9fQ%3D%3D&amp;disableSensitivityBanner=true&quot;"/>
     <we:property name="datasetId" value="&quot;0d77d7d5-76cb-4c33-be0e-0c20254a1cb3&quot;"/>
     <we:property name="pageName" value="&quot;ReportSectionf24bcf85e6a9bcc8550f&quot;"/>
     <we:property name="pageDisplayName" value="&quot;Average Ride Length&quot;"/>
+    <we:property name="backgroundColor" value="&quot;#FFFFFF&quot;"/>
+  </we:properties>
+  <we:bindings/>
+  <we:snapshot xmlns:r="http://schemas.openxmlformats.org/officeDocument/2006/relationships" r:embed="rId1"/>
+</we:webextension>
+</file>
+
+<file path=ppt/webextensions/webextension3.xml><?xml version="1.0" encoding="utf-8"?>
+<we:webextension xmlns:we="http://schemas.microsoft.com/office/webextensions/webextension/2010/11" id="{8eab213b-28bd-46e2-9b04-16c56552f2f8}">
+  <we:reference id="WA200003233" version="2.0.0.3" store="en-US" storeType="OMEX"/>
+  <we:alternateReferences/>
+  <we:properties>
+    <we:property name="Microsoft.Office.CampaignId" value="&quot;none&quot;"/>
+    <we:property name="reportUrl" value="&quot;/groups/me/reports/2a4ca978-78d8-48ce-8f45-4f768c259b9e/ReportSection36b5a4db0c2c8ee66119?bookmarkGuid=65bf15bd-b595-4160-86fd-566f1869a715&amp;bookmarkUsage=1&amp;ctid=b73c22a0-5199-467c-9987-e80a29cfcfcf&amp;fromEntryPoint=export&quot;"/>
+    <we:property name="reportState" value="&quot;CONNECTED&quot;"/>
+    <we:property name="reportEmbeddedTime" value="&quot;2023-04-12T04:49:41.158Z&quot;"/>
+    <we:property name="creatorSessionId" value="&quot;bff2daff-2ff8-4a35-a64c-01bab2af800c&quot;"/>
+    <we:property name="creatorUserId" value="&quot;10032000C9E73049&quot;"/>
+    <we:property name="creatorTenantId" value="&quot;b73c22a0-5199-467c-9987-e80a29cfcfcf&quot;"/>
+    <we:property name="reportName" value="&quot;Bike_Data_Visualization&quot;"/>
+    <we:property name="isFiltersActionButtonVisible" value="true"/>
+    <we:property name="initialStateBookmark" value="&quot;H4sIAAAAAAAAA+1a30/jOBD+V0554aU6xfnVZN+AKxJiYRGcuIfTCo3tSZslTSLH5ehV/d9vbLdqBV22ywrolbwUeTwej+fzjL+MmHmyaJsSphcwRu+Td1TXd2NQd78xr+dVC9mXL2fnh1dntxeH5wMS140u6qr1Ps08DWqI+qZoJ1AaCyT8+2vPg7K8hKEZ5VC22PMaVG1dQVn8i06ZprSa4Lzn4UNT1gqMyWsNGo3Ze1KnMe3Nfg9pRxC6uMdrFNpJr7CplV6Mw4THEEnui0CkiEnCWEZrWjdr3fyxvtnUOnZcVxqKihwwsjTnIPMUEgaMJyLppxgZeV6UeqHCp4OHRtG5Z8t4ndjJLGQJQxbmcYx5FvWjNDMx1dPG6BzTSYe1KgSUJHTmjLWb5cmDnnei6rG1u8CGk+ag0oWemkFxh7cSNAQk/dMa9ecU+r9GqNCuopPIwgVs5p3aX+Mptq0Li1UpJ+NHM2Z0XU+UwCvMVwO7/5zwulQ1oWl9GOOYo7oVYAJHk7T9DZQTewvI+ueCDkUT5lhGTCsOnO6BUf46px93Ada23sqlTVH4gW89b1T/c6yQ4i5NqHqzzVC8jjctJYq+pV+Dx629J8+5dCjvoRIkfezP4XCocAhLVAev4qyzw6z4ZFItki5+6jDhzafu7j2+/TFAADKSKeRRmAUBBNJf3f7BgygnEt/k5l/U+mlIXiUdNoP8Hll24DbeNOWs2QTs/fzqR+nrEnj9UkRLSFdHPUcNBi5jCF8S8Rfn1+tVE8JAgBihtJE51Th25ykkGmMFumEryMKpdMk5bkAV7TJVl6OzojK51PM+Y67foORcFcOR3ed7yM9t4N7T86el+1mnV3dyboG5NxPn0BglnxSoSjD6szLXwfQeMK0Kz7MwOTWTYq64tEU1LBekccXSXNn3OKjjEcXPkFL+jeidYWS0qFYS1dHUgvtHoZa8kV6WwQ49pyYKjtmS9rc1urpgJNPXL5GmiPe8EGMMcp6FuYghzogcM7Ely4246PtJBizFNANIeJbHHcvdEZbL3pjlYiU/FMeNQ0j7MYRZxOOARynzo33nuBsg3pKP7hZh3HyOXed0GxNsG6qw6b3d7omlS9ySWZRH3Vv7S7fLvrQB9EOeBdhHP4XYR9OA2vKllWHOASD08z6kUmRBhl0/af1ztusn7fFbGzGMOPAs5bFMUhZnaZ7u+1vb9ZO6ftLucI8P06jo+kn/C5i6ftLO9pMEsjhk/SCRvkgjzljQ37aflLIwFxCnMac1ke8TX047lvtBWe4H6ydFGaQiEj6HQGZ5mDB//QtvPznuJoh3jOGucdQXMNxHqbszDPcXAr+f/PbFvbX9pk27xW4/CEg/+wnSNXLftpFrWe4qeASvGto+bj3RbQMCL6Fyz2rjbNncscUcKolyWdi/g7/5z0jP7kEIFrzELfUXzv0H5Uqe5NQpAAA=&quot;"/>
+    <we:property name="bookmark" value="&quot;H4sIAAAAAAAAA+1Y32/bNhD+Vwa95EUYRP0k+9ZkDhCsLYpkyB6GIjiSJ1uNLBmUnMUL/L/3SNmwl3ipm8KJZ+vFBsnj8XjfHe/TPXi6aCYlzD7BGL133mld347B3P7CPN+r/j2XKYhzDFXGlIhCxgIQmqTqSVvUVeO9e/BaMENsr4tmCqVVSJN/ffE9KMvPMLSjHMoGfW+CpqkrKIt/sBOmpdZMce57eD8pawNW5VULLVq1dyROYzKF/RrRiaDa4g6vULXd7CVOatMuxlEqE4i1DFSoOGKaMiZoT9OtOjO/L28PdYad1VULRUUG2DmeS9A5h5QBk6lKM46xnc+Lsl2IyNngfmLo3g9L9527RRGxlCGL8iTBXMRZzIV1cTubWJkzuumwNoWCkiY7dVbb9fLmoe+dm3rs9C6gkiQ5qNqindlBcYs3GloIafYPpzSYk+v/HKFBt4tuoovOYQ/ehfu1lmLTdG5xIuV0/GjFjq7qqVF4iflq4M6fE16fTU1oOhvGOJZobhRYx9EiHX8N5dRFAWn/UNClaMFey07TjpNO9sQKf5nTTxcAa0dvZdImL3zHNt8b1X+fGSS/a+sq/2EzFLuxpqFEaW/o1+Jx4+LkOZPe6zuoFOon9rwfDg0OYYnqYCfGdnqYmz6fVoukS54aTHjLWRd7j6M/AQhBx5pDHkciDCHUwSr6B/eqnGp8lcj/VLdPXbKTdNgM8ltk2Ul38KalTptLQP/Hdz9K3y6B14MiXkK6uupHbMHCZRXhSzz+4vza3WtCGChQI9TOMxctjrv7FBqtsgK7YaNIw4XuknM8AVM0y1Rdjn4vKptLvvcB8/YVnpzLYjhy5/wX8nPnuLe0/OnT/azRq5icO2Du7MJHmFihgATolWD0t1LXw/QWMK0enmdh6sRsinWPS1NUw3JBGlcsrXv2PQnmbET+s6RUfiV6ZxkZbaqNRnM6c+D+Vpglb6TKMtijcmq90DFbkv66RlcXjGS2+yfSPuK+F2GCYS5FlKsEEkHkmKktWW4sVRakAhhHLgBSKfKkZ7l7wnLZK7NcrPRRcdwkAp4lEIlYJqGMOQviQ+e4GyDeko/uF2HcfI9953QbE2wbqrCp3m5XYimIG1KL+rSvtT8VXa7ShpBFUoSYYcAhCdA2oLastDrKJQBEQZ4B10qEAvt+0vrnbN9POuBaGzOMJUjBZaJTzhLBc37otbbvJ/X9pP3hHkfTqOj7Sf8LmPp+0t72kxSyJGJZmOpA8VgyFmbb9pM4i3IFCU8k7YmDgPgy71nukbLcI+snxQK4ilUgIdQij1IWrH/hHSbH3QTxnjHcNY76Aob7KHX3huH+hOMPk9++uLd22LRpv9jtkYD0o58gfSP3dRu5juWuOW8+/wZ+/lb0VykAAA==&quot;"/>
+    <we:property name="embedUrl" value="&quot;/reportEmbed?reportId=2a4ca978-78d8-48ce-8f45-4f768c259b9e&amp;config=eyJjbHVzdGVyVXJsIjoiaHR0cHM6Ly9XQUJJLVVTLUVBU1QyLXJlZGlyZWN0LmFuYWx5c2lzLndpbmRvd3MubmV0IiwiZW1iZWRGZWF0dXJlcyI6eyJtb2Rlcm5FbWJlZCI6dHJ1ZSwidXNhZ2VNZXRyaWNzVk5leHQiOnRydWV9fQ%3D%3D&amp;disableSensitivityBanner=true&quot;"/>
+    <we:property name="datasetId" value="&quot;0d77d7d5-76cb-4c33-be0e-0c20254a1cb3&quot;"/>
+    <we:property name="pageName" value="&quot;ReportSection36b5a4db0c2c8ee66119&quot;"/>
+    <we:property name="pageDisplayName" value="&quot;Popular Stations&quot;"/>
+    <we:property name="backgroundColor" value="&quot;#FFFFFF&quot;"/>
+  </we:properties>
+  <we:bindings/>
+  <we:snapshot xmlns:r="http://schemas.openxmlformats.org/officeDocument/2006/relationships" r:embed="rId1"/>
+</we:webextension>
+</file>
+
+<file path=ppt/webextensions/webextension4.xml><?xml version="1.0" encoding="utf-8"?>
+<we:webextension xmlns:we="http://schemas.microsoft.com/office/webextensions/webextension/2010/11" id="{aafb72ac-a671-4b14-8ec9-2519b2dd51ac}">
+  <we:reference id="WA200003233" version="2.0.0.3" store="en-US" storeType="OMEX"/>
+  <we:alternateReferences/>
+  <we:properties>
+    <we:property name="Microsoft.Office.CampaignId" value="&quot;none&quot;"/>
+    <we:property name="reportUrl" value="&quot;/groups/me/reports/2a4ca978-78d8-48ce-8f45-4f768c259b9e/ReportSectiond05842a04e2fc886e21f?bookmarkGuid=eefe174d-22ea-4c8f-a84e-5f1acffd9d91&amp;bookmarkUsage=1&amp;ctid=b73c22a0-5199-467c-9987-e80a29cfcfcf&amp;fromEntryPoint=export&quot;"/>
+    <we:property name="reportState" value="&quot;CONNECTED&quot;"/>
+    <we:property name="reportEmbeddedTime" value="&quot;2023-04-12T04:49:47.142Z&quot;"/>
+    <we:property name="creatorSessionId" value="&quot;b2667040-39a8-448f-8c2d-391f93151183&quot;"/>
+    <we:property name="creatorUserId" value="&quot;10032000C9E73049&quot;"/>
+    <we:property name="creatorTenantId" value="&quot;b73c22a0-5199-467c-9987-e80a29cfcfcf&quot;"/>
+    <we:property name="reportName" value="&quot;Bike_Data_Visualization&quot;"/>
+    <we:property name="isFiltersActionButtonVisible" value="true"/>
+    <we:property name="initialStateBookmark" value="&quot;H4sIAAAAAAAAA81WW0/bMBT+K8gvvIQpSa/0rZSiSVxVEHuYqspxTlODY0eOA3SI/77jS8XKupWhMVahNj4+t+9zzmceSc7rStDlGS2BDMiBUrcl1bc7CYmIDLbz8+PT4eR4djY8HaNZVYYrWZPBIzFUF2Cued1QYTOg8es0IlSIC1rY1ZyKGiJSga6VpIJ/A++MW0Y38BQReKiE0tSmvDTUgE17h+64xtrJpxZWpMzwO7gEZrx1ApXSJqzzuNNvpzRuQzpn/X4X0mSOMbXfdW1u97dFXWMjJQ3lEhuwtjZjtMv2e/Nuv8dYv9uKe21rn3Nhgku2HD9UGnEjG8vK8jVCFIXSnFFBHD4NtYfzSEZKNKV7Gq/ZL1WjGUzAdTKWhpslZsr4LcxyamhKnpCqC62QSLdTI/MG8hk1O4fDq7HbXqj7kQYsnpNB/DRFS81lIQLjzxCvfJu14Ay0Pc/sBplxYErA87QPBSAFNghhVb4sh/oZ+vrT9eq80ogcaVW6sPBGZVhhE6CI+D6w04h8WYAGF4X859wEVoYytz8nMDeevLKimtcrKlerY279sPaz4ytY9gvX4SvInfBi4XKfcOOZQdhUNDYBAgLDS9hN4zTZS9K9OLmK44H728Xotfjfg2j9FyDSjSDwM3VfkXWmG94NV/MwDDG4sXgbYTg2Mv/DRNh0steKXyYqVb4ty+4BmHsAGWBObZjSOeiDpQN5yPVKepLoxWm830Bbnr3wodvND2rm2q7DtLxX9akjL8/iXrrfZt1em8X9VrcTd9Kt+jfM76hkqEIvxW9YFBoKupru9yHS50mc+aiR4dw6Pwtk9E8Fu4QyAz1j1GnxR3fzGf3fcmcIvBlHC3xX1q6NDxiXAOCXMxJIXP7VKQlFp14LN1+cqjF1RRlcUAkbFBKPk8oc8i2KZP838vKF9PNMbFOwlX9o7jvCb5v11gkAAA==&quot;"/>
+    <we:property name="bookmark" value="&quot;H4sIAAAAAAAAA81V30/bMBD+V5BfeAlTkqZt6FspRZOGJgSIPUwVutqX1ODEkeMCHer/vrOdipWxwdAYq6o2Pt+P7/vsu9wzIdtGweozVMhG7EDr6wrM9U7CIlZv2yDNAfZFQd8ig2GWFcmcvHRjpa5bNrpnFkyJ9kK2S1AuIRm/ziIGSp1A6VYFqBYj1qBpdQ1KfsPgTFvWLHEdMbxrlDbgUp5ZsOjS3pA7rQlK8qFHFYFbeYNnyG2wnmKjje3WIu7nWQpxhmnB83yAaVJQTBt2Pczn/V1RD2yiawuyJgDOlnEOA74/LAb5kPN80IuHmbMXUtnOZb6a3jWGeJMaq8bJNyEWpTaSg2Ken8E20LlnE62WlX+abtnP9NJwPEWPZFpbaVeUaS6v8VKAhZStSaoTo0lIv9OS8hbFJdidw/H51G8v9O3EIBUXbBSvZ2RpZV2qTvEHiucBZqskR+POc35FyngyFdJ5uocSSQIXRLSaUFZi+0B9++lic15pxI6MrnxYd8HcjXmKUMQCDkIasS8LNOijSH8hbafKuBbu7xgLG8SrGjCy3Ui5WX2Szo9qPzi+QOWw8AhfIO6pLBc+97G0QRmiDWrpEhAhtLLC3TROk70k3YuT8zge+e8uRW/F/55E778gkT5Jgj4z/xM5Z3jibviah10To2+L1wlGbVOLP0xEoJO9Xvw4UaXFc1l2D9DeItYdzZkL00agOVh5kofSbEZPEj06jbdraKdzGHzkdvXDNPOw265b3qr6zIsn5vEw3c/4YJjxOO8N+nE/fXb+jcUN1Jym0OPhNy5LgyVsuvtthAx5Em8+WtbdufV/HpDRPx3YFVZzNJcc/Cx+bzQfyf817wxFb8bJgu7K1mvjHdqlI/DLHulEXP3VLumKzsIs3FJgvf4O/aFnK1kJAAA=&quot;"/>
+    <we:property name="embedUrl" value="&quot;/reportEmbed?reportId=2a4ca978-78d8-48ce-8f45-4f768c259b9e&amp;config=eyJjbHVzdGVyVXJsIjoiaHR0cHM6Ly9XQUJJLVVTLUVBU1QyLXJlZGlyZWN0LmFuYWx5c2lzLndpbmRvd3MubmV0IiwiZW1iZWRGZWF0dXJlcyI6eyJtb2Rlcm5FbWJlZCI6dHJ1ZSwidXNhZ2VNZXRyaWNzVk5leHQiOnRydWV9fQ%3D%3D&amp;disableSensitivityBanner=true&quot;"/>
+    <we:property name="datasetId" value="&quot;0d77d7d5-76cb-4c33-be0e-0c20254a1cb3&quot;"/>
+    <we:property name="pageName" value="&quot;ReportSectiond05842a04e2fc886e21f&quot;"/>
+    <we:property name="pageDisplayName" value="&quot;Rides by Hour&quot;"/>
     <we:property name="backgroundColor" value="&quot;#FFFFFF&quot;"/>
   </we:properties>
   <we:bindings/>
